--- a/java tutarial for OOP/polymorphism.pptx
+++ b/java tutarial for OOP/polymorphism.pptx
@@ -2,7 +2,7 @@
 <file path=ppt/presentation.xml><?xml version="1.0" encoding="utf-8"?>
 <p:presentation xmlns:a="http://schemas.openxmlformats.org/drawingml/2006/main" xmlns:r="http://schemas.openxmlformats.org/officeDocument/2006/relationships" xmlns:p="http://schemas.openxmlformats.org/presentationml/2006/main" autoCompressPictures="0">
   <p:sldMasterIdLst>
-    <p:sldMasterId id="2147483674" r:id="rId1"/>
+    <p:sldMasterId id="2147483704" r:id="rId1"/>
   </p:sldMasterIdLst>
   <p:sldIdLst>
     <p:sldId id="256" r:id="rId2"/>
@@ -138,13 +138,8 @@
 </file>
 
 <file path=ppt/slideLayouts/slideLayout1.xml><?xml version="1.0" encoding="utf-8"?>
-<p:sldLayout xmlns:a="http://schemas.openxmlformats.org/drawingml/2006/main" xmlns:r="http://schemas.openxmlformats.org/officeDocument/2006/relationships" xmlns:p="http://schemas.openxmlformats.org/presentationml/2006/main" showMasterSp="0" type="title" preserve="1">
+<p:sldLayout xmlns:a="http://schemas.openxmlformats.org/drawingml/2006/main" xmlns:r="http://schemas.openxmlformats.org/officeDocument/2006/relationships" xmlns:p="http://schemas.openxmlformats.org/presentationml/2006/main" type="title" preserve="1">
   <p:cSld name="Title Slide">
-    <p:bg>
-      <p:bgRef idx="1001">
-        <a:schemeClr val="bg2"/>
-      </p:bgRef>
-    </p:bg>
     <p:spTree>
       <p:nvGrpSpPr>
         <p:cNvPr id="1" name=""/>
@@ -161,200 +156,45 @@
       </p:grpSpPr>
       <p:sp>
         <p:nvSpPr>
-          <p:cNvPr id="12" name="Freeform 6" title="Page Number Shape"/>
-          <p:cNvSpPr/>
+          <p:cNvPr id="7" name="Rectangle 6"/>
+          <p:cNvSpPr>
+            <a:spLocks noChangeAspect="1"/>
+          </p:cNvSpPr>
           <p:nvPr/>
         </p:nvSpPr>
-        <p:spPr bwMode="auto">
+        <p:spPr>
           <a:xfrm>
-            <a:off x="11784011" y="1189204"/>
-            <a:ext cx="407988" cy="819150"/>
+            <a:off x="231140" y="243840"/>
+            <a:ext cx="11724640" cy="6377939"/>
           </a:xfrm>
-          <a:custGeom>
+          <a:prstGeom prst="rect">
             <a:avLst/>
-            <a:gdLst/>
-            <a:ahLst/>
-            <a:cxnLst/>
-            <a:rect l="0" t="0" r="r" b="b"/>
-            <a:pathLst>
-              <a:path w="1799" h="3612">
-                <a:moveTo>
-                  <a:pt x="1799" y="0"/>
-                </a:moveTo>
-                <a:lnTo>
-                  <a:pt x="1799" y="3612"/>
-                </a:lnTo>
-                <a:lnTo>
-                  <a:pt x="1686" y="3609"/>
-                </a:lnTo>
-                <a:lnTo>
-                  <a:pt x="1574" y="3598"/>
-                </a:lnTo>
-                <a:lnTo>
-                  <a:pt x="1464" y="3581"/>
-                </a:lnTo>
-                <a:lnTo>
-                  <a:pt x="1357" y="3557"/>
-                </a:lnTo>
-                <a:lnTo>
-                  <a:pt x="1251" y="3527"/>
-                </a:lnTo>
-                <a:lnTo>
-                  <a:pt x="1150" y="3490"/>
-                </a:lnTo>
-                <a:lnTo>
-                  <a:pt x="1050" y="3448"/>
-                </a:lnTo>
-                <a:lnTo>
-                  <a:pt x="953" y="3401"/>
-                </a:lnTo>
-                <a:lnTo>
-                  <a:pt x="860" y="3347"/>
-                </a:lnTo>
-                <a:lnTo>
-                  <a:pt x="771" y="3289"/>
-                </a:lnTo>
-                <a:lnTo>
-                  <a:pt x="686" y="3224"/>
-                </a:lnTo>
-                <a:lnTo>
-                  <a:pt x="604" y="3156"/>
-                </a:lnTo>
-                <a:lnTo>
-                  <a:pt x="527" y="3083"/>
-                </a:lnTo>
-                <a:lnTo>
-                  <a:pt x="454" y="3005"/>
-                </a:lnTo>
-                <a:lnTo>
-                  <a:pt x="386" y="2923"/>
-                </a:lnTo>
-                <a:lnTo>
-                  <a:pt x="323" y="2838"/>
-                </a:lnTo>
-                <a:lnTo>
-                  <a:pt x="265" y="2748"/>
-                </a:lnTo>
-                <a:lnTo>
-                  <a:pt x="211" y="2655"/>
-                </a:lnTo>
-                <a:lnTo>
-                  <a:pt x="163" y="2559"/>
-                </a:lnTo>
-                <a:lnTo>
-                  <a:pt x="121" y="2459"/>
-                </a:lnTo>
-                <a:lnTo>
-                  <a:pt x="85" y="2356"/>
-                </a:lnTo>
-                <a:lnTo>
-                  <a:pt x="55" y="2251"/>
-                </a:lnTo>
-                <a:lnTo>
-                  <a:pt x="32" y="2143"/>
-                </a:lnTo>
-                <a:lnTo>
-                  <a:pt x="14" y="2033"/>
-                </a:lnTo>
-                <a:lnTo>
-                  <a:pt x="4" y="1920"/>
-                </a:lnTo>
-                <a:lnTo>
-                  <a:pt x="0" y="1806"/>
-                </a:lnTo>
-                <a:lnTo>
-                  <a:pt x="4" y="1692"/>
-                </a:lnTo>
-                <a:lnTo>
-                  <a:pt x="14" y="1580"/>
-                </a:lnTo>
-                <a:lnTo>
-                  <a:pt x="32" y="1469"/>
-                </a:lnTo>
-                <a:lnTo>
-                  <a:pt x="55" y="1362"/>
-                </a:lnTo>
-                <a:lnTo>
-                  <a:pt x="85" y="1256"/>
-                </a:lnTo>
-                <a:lnTo>
-                  <a:pt x="121" y="1154"/>
-                </a:lnTo>
-                <a:lnTo>
-                  <a:pt x="163" y="1054"/>
-                </a:lnTo>
-                <a:lnTo>
-                  <a:pt x="211" y="958"/>
-                </a:lnTo>
-                <a:lnTo>
-                  <a:pt x="265" y="864"/>
-                </a:lnTo>
-                <a:lnTo>
-                  <a:pt x="323" y="774"/>
-                </a:lnTo>
-                <a:lnTo>
-                  <a:pt x="386" y="689"/>
-                </a:lnTo>
-                <a:lnTo>
-                  <a:pt x="454" y="607"/>
-                </a:lnTo>
-                <a:lnTo>
-                  <a:pt x="527" y="529"/>
-                </a:lnTo>
-                <a:lnTo>
-                  <a:pt x="604" y="456"/>
-                </a:lnTo>
-                <a:lnTo>
-                  <a:pt x="686" y="388"/>
-                </a:lnTo>
-                <a:lnTo>
-                  <a:pt x="771" y="325"/>
-                </a:lnTo>
-                <a:lnTo>
-                  <a:pt x="860" y="266"/>
-                </a:lnTo>
-                <a:lnTo>
-                  <a:pt x="953" y="212"/>
-                </a:lnTo>
-                <a:lnTo>
-                  <a:pt x="1050" y="164"/>
-                </a:lnTo>
-                <a:lnTo>
-                  <a:pt x="1150" y="122"/>
-                </a:lnTo>
-                <a:lnTo>
-                  <a:pt x="1251" y="85"/>
-                </a:lnTo>
-                <a:lnTo>
-                  <a:pt x="1357" y="55"/>
-                </a:lnTo>
-                <a:lnTo>
-                  <a:pt x="1464" y="32"/>
-                </a:lnTo>
-                <a:lnTo>
-                  <a:pt x="1574" y="14"/>
-                </a:lnTo>
-                <a:lnTo>
-                  <a:pt x="1686" y="5"/>
-                </a:lnTo>
-                <a:lnTo>
-                  <a:pt x="1799" y="0"/>
-                </a:lnTo>
-                <a:close/>
-              </a:path>
-            </a:pathLst>
-          </a:custGeom>
+          </a:prstGeom>
           <a:solidFill>
-            <a:schemeClr val="tx2"/>
+            <a:schemeClr val="accent1"/>
           </a:solidFill>
-          <a:ln w="0">
-            <a:noFill/>
-            <a:prstDash val="solid"/>
-            <a:round/>
-            <a:headEnd/>
-            <a:tailEnd/>
+          <a:ln w="12700">
+            <a:solidFill>
+              <a:srgbClr val="FFFFFF"/>
+            </a:solidFill>
           </a:ln>
         </p:spPr>
+        <p:style>
+          <a:lnRef idx="2">
+            <a:schemeClr val="accent1">
+              <a:shade val="50000"/>
+            </a:schemeClr>
+          </a:lnRef>
+          <a:fillRef idx="1">
+            <a:schemeClr val="accent1"/>
+          </a:fillRef>
+          <a:effectRef idx="0">
+            <a:schemeClr val="accent1"/>
+          </a:effectRef>
+          <a:fontRef idx="minor">
+            <a:schemeClr val="lt1"/>
+          </a:fontRef>
+        </p:style>
       </p:sp>
       <p:sp>
         <p:nvSpPr>
@@ -368,22 +208,22 @@
         </p:nvSpPr>
         <p:spPr>
           <a:xfrm>
-            <a:off x="1088913" y="1143293"/>
-            <a:ext cx="7034362" cy="4268965"/>
+            <a:off x="1109980" y="882376"/>
+            <a:ext cx="9966960" cy="2926080"/>
           </a:xfrm>
         </p:spPr>
         <p:txBody>
-          <a:bodyPr anchor="t">
+          <a:bodyPr anchor="b">
             <a:normAutofit/>
           </a:bodyPr>
           <a:lstStyle>
-            <a:lvl1pPr algn="l">
+            <a:lvl1pPr algn="ctr">
               <a:lnSpc>
                 <a:spcPct val="85000"/>
               </a:lnSpc>
-              <a:defRPr sz="7700" cap="all" baseline="0">
+              <a:defRPr sz="7200" b="1" cap="all" baseline="0">
                 <a:solidFill>
-                  <a:schemeClr val="tx2"/>
+                  <a:srgbClr val="FFFFFF"/>
                 </a:solidFill>
               </a:defRPr>
             </a:lvl1pPr>
@@ -409,8 +249,8 @@
         </p:nvSpPr>
         <p:spPr>
           <a:xfrm>
-            <a:off x="1088914" y="5537925"/>
-            <a:ext cx="7034362" cy="706355"/>
+            <a:off x="1709530" y="3869634"/>
+            <a:ext cx="8767860" cy="1388165"/>
           </a:xfrm>
         </p:spPr>
         <p:txBody>
@@ -418,51 +258,45 @@
             <a:normAutofit/>
           </a:bodyPr>
           <a:lstStyle>
-            <a:lvl1pPr marL="0" indent="0" algn="l">
-              <a:lnSpc>
-                <a:spcPct val="114000"/>
-              </a:lnSpc>
-              <a:spcBef>
-                <a:spcPts val="0"/>
-              </a:spcBef>
-              <a:buNone/>
-              <a:defRPr sz="2000" b="0" i="1" baseline="0">
+            <a:lvl1pPr marL="0" indent="0" algn="ctr">
+              <a:buNone/>
+              <a:defRPr sz="2200">
                 <a:solidFill>
-                  <a:schemeClr val="tx2"/>
+                  <a:srgbClr val="FFFFFF"/>
                 </a:solidFill>
               </a:defRPr>
             </a:lvl1pPr>
             <a:lvl2pPr marL="457200" indent="0" algn="ctr">
               <a:buNone/>
-              <a:defRPr sz="2000"/>
+              <a:defRPr sz="2200"/>
             </a:lvl2pPr>
             <a:lvl3pPr marL="914400" indent="0" algn="ctr">
               <a:buNone/>
-              <a:defRPr sz="1800"/>
+              <a:defRPr sz="2200"/>
             </a:lvl3pPr>
             <a:lvl4pPr marL="1371600" indent="0" algn="ctr">
               <a:buNone/>
-              <a:defRPr sz="1600"/>
+              <a:defRPr sz="2000"/>
             </a:lvl4pPr>
             <a:lvl5pPr marL="1828800" indent="0" algn="ctr">
               <a:buNone/>
-              <a:defRPr sz="1600"/>
+              <a:defRPr sz="2000"/>
             </a:lvl5pPr>
             <a:lvl6pPr marL="2286000" indent="0" algn="ctr">
               <a:buNone/>
-              <a:defRPr sz="1600"/>
+              <a:defRPr sz="2000"/>
             </a:lvl6pPr>
             <a:lvl7pPr marL="2743200" indent="0" algn="ctr">
               <a:buNone/>
-              <a:defRPr sz="1600"/>
+              <a:defRPr sz="2000"/>
             </a:lvl7pPr>
             <a:lvl8pPr marL="3200400" indent="0" algn="ctr">
               <a:buNone/>
-              <a:defRPr sz="1600"/>
+              <a:defRPr sz="2000"/>
             </a:lvl8pPr>
             <a:lvl9pPr marL="3657600" indent="0" algn="ctr">
               <a:buNone/>
-              <a:defRPr sz="1600"/>
+              <a:defRPr sz="2000"/>
             </a:lvl9pPr>
           </a:lstStyle>
           <a:p>
@@ -484,19 +318,14 @@
             <p:ph type="dt" sz="half" idx="10"/>
           </p:nvPr>
         </p:nvSpPr>
-        <p:spPr>
-          <a:xfrm>
-            <a:off x="1088913" y="6314440"/>
-            <a:ext cx="1596622" cy="365125"/>
-          </a:xfrm>
-        </p:spPr>
+        <p:spPr/>
         <p:txBody>
           <a:bodyPr/>
           <a:lstStyle>
-            <a:lvl1pPr algn="l">
-              <a:defRPr sz="1200">
+            <a:lvl1pPr>
+              <a:defRPr>
                 <a:solidFill>
-                  <a:schemeClr val="tx2"/>
+                  <a:srgbClr val="FFFFFF"/>
                 </a:solidFill>
               </a:defRPr>
             </a:lvl1pPr>
@@ -505,7 +334,7 @@
             <a:fld id="{5923F103-BC34-4FE4-A40E-EDDEECFDA5D0}" type="datetimeFigureOut">
               <a:rPr lang="en-US" smtClean="0"/>
               <a:pPr/>
-              <a:t>1/23/2020</a:t>
+              <a:t>8/9/2020</a:t>
             </a:fld>
             <a:endParaRPr lang="en-US" dirty="0"/>
           </a:p>
@@ -521,19 +350,14 @@
             <p:ph type="ftr" sz="quarter" idx="11"/>
           </p:nvPr>
         </p:nvSpPr>
-        <p:spPr>
-          <a:xfrm>
-            <a:off x="3000591" y="6314440"/>
-            <a:ext cx="5122683" cy="365125"/>
-          </a:xfrm>
-        </p:spPr>
+        <p:spPr/>
         <p:txBody>
           <a:bodyPr/>
           <a:lstStyle>
-            <a:lvl1pPr algn="l">
-              <a:defRPr b="0">
+            <a:lvl1pPr>
+              <a:defRPr>
                 <a:solidFill>
-                  <a:schemeClr val="tx2"/>
+                  <a:srgbClr val="FFFFFF"/>
                 </a:solidFill>
               </a:defRPr>
             </a:lvl1pPr>
@@ -553,19 +377,14 @@
             <p:ph type="sldNum" sz="quarter" idx="12"/>
           </p:nvPr>
         </p:nvSpPr>
-        <p:spPr>
-          <a:xfrm>
-            <a:off x="11784011" y="1416216"/>
-            <a:ext cx="407988" cy="365125"/>
-          </a:xfrm>
-        </p:spPr>
+        <p:spPr/>
         <p:txBody>
           <a:bodyPr/>
           <a:lstStyle>
-            <a:lvl1pPr algn="r">
+            <a:lvl1pPr>
               <a:defRPr>
                 <a:solidFill>
-                  <a:schemeClr val="bg2"/>
+                  <a:srgbClr val="FFFFFF"/>
                 </a:solidFill>
               </a:defRPr>
             </a:lvl1pPr>
@@ -582,21 +401,21 @@
       </p:sp>
       <p:cxnSp>
         <p:nvCxnSpPr>
-          <p:cNvPr id="9" name="Straight Connector 8" title="Verticle Rule Line"/>
+          <p:cNvPr id="8" name="Straight Connector 7"/>
           <p:cNvCxnSpPr/>
           <p:nvPr/>
         </p:nvCxnSpPr>
         <p:spPr>
           <a:xfrm>
-            <a:off x="773855" y="1257300"/>
-            <a:ext cx="0" cy="5600700"/>
+            <a:off x="1978660" y="3733800"/>
+            <a:ext cx="8229601" cy="0"/>
           </a:xfrm>
           <a:prstGeom prst="line">
             <a:avLst/>
           </a:prstGeom>
-          <a:ln w="25400">
+          <a:ln>
             <a:solidFill>
-              <a:schemeClr val="tx2"/>
+              <a:srgbClr val="FFFFFF"/>
             </a:solidFill>
           </a:ln>
         </p:spPr>
@@ -618,22 +437,16 @@
     </p:spTree>
     <p:extLst>
       <p:ext uri="{BB962C8B-B14F-4D97-AF65-F5344CB8AC3E}">
-        <p14:creationId xmlns:p14="http://schemas.microsoft.com/office/powerpoint/2010/main" val="1169462856"/>
+        <p14:creationId xmlns:p14="http://schemas.microsoft.com/office/powerpoint/2010/main" val="3598187876"/>
       </p:ext>
     </p:extLst>
   </p:cSld>
   <p:clrMapOvr>
-    <a:overrideClrMapping bg1="dk1" tx1="lt1" bg2="dk2" tx2="lt2" accent1="accent1" accent2="accent2" accent3="accent3" accent4="accent4" accent5="accent5" accent6="accent6" hlink="hlink" folHlink="folHlink"/>
+    <a:masterClrMapping/>
   </p:clrMapOvr>
-  <p:extLst mod="1">
+  <p:extLst>
     <p:ext uri="{DCECCB84-F9BA-43D5-87BE-67443E8EF086}">
-      <p15:sldGuideLst xmlns:p15="http://schemas.microsoft.com/office/powerpoint/2012/main">
-        <p15:guide id="1" orient="horz" pos="792">
-          <p15:clr>
-            <a:srgbClr val="FBAE40"/>
-          </p15:clr>
-        </p15:guide>
-      </p15:sldGuideLst>
+      <p15:sldGuideLst xmlns:p15="http://schemas.microsoft.com/office/powerpoint/2012/main"/>
     </p:ext>
   </p:extLst>
 </p:sldLayout>
@@ -689,12 +502,7 @@
             <p:ph type="body" orient="vert" idx="1"/>
           </p:nvPr>
         </p:nvSpPr>
-        <p:spPr>
-          <a:xfrm>
-            <a:off x="5181600" y="640080"/>
-            <a:ext cx="6248398" cy="5584142"/>
-          </a:xfrm>
-        </p:spPr>
+        <p:spPr/>
         <p:txBody>
           <a:bodyPr vert="eaVert"/>
           <a:lstStyle/>
@@ -753,7 +561,7 @@
           <a:p>
             <a:fld id="{53086D93-FCAC-47E0-A2EE-787E62CA814C}" type="datetimeFigureOut">
               <a:rPr lang="en-US" smtClean="0"/>
-              <a:t>1/23/2020</a:t>
+              <a:t>8/9/2020</a:t>
             </a:fld>
             <a:endParaRPr lang="en-US" dirty="0"/>
           </a:p>
@@ -805,7 +613,7 @@
     </p:spTree>
     <p:extLst>
       <p:ext uri="{BB962C8B-B14F-4D97-AF65-F5344CB8AC3E}">
-        <p14:creationId xmlns:p14="http://schemas.microsoft.com/office/powerpoint/2010/main" val="2360303746"/>
+        <p14:creationId xmlns:p14="http://schemas.microsoft.com/office/powerpoint/2010/main" val="146462505"/>
       </p:ext>
     </p:extLst>
   </p:cSld>
@@ -816,7 +624,7 @@
 </file>
 
 <file path=ppt/slideLayouts/slideLayout11.xml><?xml version="1.0" encoding="utf-8"?>
-<p:sldLayout xmlns:a="http://schemas.openxmlformats.org/drawingml/2006/main" xmlns:r="http://schemas.openxmlformats.org/officeDocument/2006/relationships" xmlns:p="http://schemas.openxmlformats.org/presentationml/2006/main" showMasterSp="0" type="vertTitleAndTx" preserve="1">
+<p:sldLayout xmlns:a="http://schemas.openxmlformats.org/drawingml/2006/main" xmlns:r="http://schemas.openxmlformats.org/officeDocument/2006/relationships" xmlns:p="http://schemas.openxmlformats.org/presentationml/2006/main" type="vertTitleAndTx" preserve="1">
   <p:cSld name="Vertical Title and Text">
     <p:spTree>
       <p:nvGrpSpPr>
@@ -834,203 +642,6 @@
       </p:grpSpPr>
       <p:sp>
         <p:nvSpPr>
-          <p:cNvPr id="12" name="Freeform 6" title="Page Number Shape"/>
-          <p:cNvSpPr/>
-          <p:nvPr/>
-        </p:nvSpPr>
-        <p:spPr bwMode="auto">
-          <a:xfrm>
-            <a:off x="11784011" y="5380580"/>
-            <a:ext cx="407988" cy="819150"/>
-          </a:xfrm>
-          <a:custGeom>
-            <a:avLst/>
-            <a:gdLst/>
-            <a:ahLst/>
-            <a:cxnLst/>
-            <a:rect l="0" t="0" r="r" b="b"/>
-            <a:pathLst>
-              <a:path w="1799" h="3612">
-                <a:moveTo>
-                  <a:pt x="1799" y="0"/>
-                </a:moveTo>
-                <a:lnTo>
-                  <a:pt x="1799" y="3612"/>
-                </a:lnTo>
-                <a:lnTo>
-                  <a:pt x="1686" y="3609"/>
-                </a:lnTo>
-                <a:lnTo>
-                  <a:pt x="1574" y="3598"/>
-                </a:lnTo>
-                <a:lnTo>
-                  <a:pt x="1464" y="3581"/>
-                </a:lnTo>
-                <a:lnTo>
-                  <a:pt x="1357" y="3557"/>
-                </a:lnTo>
-                <a:lnTo>
-                  <a:pt x="1251" y="3527"/>
-                </a:lnTo>
-                <a:lnTo>
-                  <a:pt x="1150" y="3490"/>
-                </a:lnTo>
-                <a:lnTo>
-                  <a:pt x="1050" y="3448"/>
-                </a:lnTo>
-                <a:lnTo>
-                  <a:pt x="953" y="3401"/>
-                </a:lnTo>
-                <a:lnTo>
-                  <a:pt x="860" y="3347"/>
-                </a:lnTo>
-                <a:lnTo>
-                  <a:pt x="771" y="3289"/>
-                </a:lnTo>
-                <a:lnTo>
-                  <a:pt x="686" y="3224"/>
-                </a:lnTo>
-                <a:lnTo>
-                  <a:pt x="604" y="3156"/>
-                </a:lnTo>
-                <a:lnTo>
-                  <a:pt x="527" y="3083"/>
-                </a:lnTo>
-                <a:lnTo>
-                  <a:pt x="454" y="3005"/>
-                </a:lnTo>
-                <a:lnTo>
-                  <a:pt x="386" y="2923"/>
-                </a:lnTo>
-                <a:lnTo>
-                  <a:pt x="323" y="2838"/>
-                </a:lnTo>
-                <a:lnTo>
-                  <a:pt x="265" y="2748"/>
-                </a:lnTo>
-                <a:lnTo>
-                  <a:pt x="211" y="2655"/>
-                </a:lnTo>
-                <a:lnTo>
-                  <a:pt x="163" y="2559"/>
-                </a:lnTo>
-                <a:lnTo>
-                  <a:pt x="121" y="2459"/>
-                </a:lnTo>
-                <a:lnTo>
-                  <a:pt x="85" y="2356"/>
-                </a:lnTo>
-                <a:lnTo>
-                  <a:pt x="55" y="2251"/>
-                </a:lnTo>
-                <a:lnTo>
-                  <a:pt x="32" y="2143"/>
-                </a:lnTo>
-                <a:lnTo>
-                  <a:pt x="14" y="2033"/>
-                </a:lnTo>
-                <a:lnTo>
-                  <a:pt x="4" y="1920"/>
-                </a:lnTo>
-                <a:lnTo>
-                  <a:pt x="0" y="1806"/>
-                </a:lnTo>
-                <a:lnTo>
-                  <a:pt x="4" y="1692"/>
-                </a:lnTo>
-                <a:lnTo>
-                  <a:pt x="14" y="1580"/>
-                </a:lnTo>
-                <a:lnTo>
-                  <a:pt x="32" y="1469"/>
-                </a:lnTo>
-                <a:lnTo>
-                  <a:pt x="55" y="1362"/>
-                </a:lnTo>
-                <a:lnTo>
-                  <a:pt x="85" y="1256"/>
-                </a:lnTo>
-                <a:lnTo>
-                  <a:pt x="121" y="1154"/>
-                </a:lnTo>
-                <a:lnTo>
-                  <a:pt x="163" y="1054"/>
-                </a:lnTo>
-                <a:lnTo>
-                  <a:pt x="211" y="958"/>
-                </a:lnTo>
-                <a:lnTo>
-                  <a:pt x="265" y="864"/>
-                </a:lnTo>
-                <a:lnTo>
-                  <a:pt x="323" y="774"/>
-                </a:lnTo>
-                <a:lnTo>
-                  <a:pt x="386" y="689"/>
-                </a:lnTo>
-                <a:lnTo>
-                  <a:pt x="454" y="607"/>
-                </a:lnTo>
-                <a:lnTo>
-                  <a:pt x="527" y="529"/>
-                </a:lnTo>
-                <a:lnTo>
-                  <a:pt x="604" y="456"/>
-                </a:lnTo>
-                <a:lnTo>
-                  <a:pt x="686" y="388"/>
-                </a:lnTo>
-                <a:lnTo>
-                  <a:pt x="771" y="325"/>
-                </a:lnTo>
-                <a:lnTo>
-                  <a:pt x="860" y="266"/>
-                </a:lnTo>
-                <a:lnTo>
-                  <a:pt x="953" y="212"/>
-                </a:lnTo>
-                <a:lnTo>
-                  <a:pt x="1050" y="164"/>
-                </a:lnTo>
-                <a:lnTo>
-                  <a:pt x="1150" y="122"/>
-                </a:lnTo>
-                <a:lnTo>
-                  <a:pt x="1251" y="85"/>
-                </a:lnTo>
-                <a:lnTo>
-                  <a:pt x="1357" y="55"/>
-                </a:lnTo>
-                <a:lnTo>
-                  <a:pt x="1464" y="32"/>
-                </a:lnTo>
-                <a:lnTo>
-                  <a:pt x="1574" y="14"/>
-                </a:lnTo>
-                <a:lnTo>
-                  <a:pt x="1686" y="5"/>
-                </a:lnTo>
-                <a:lnTo>
-                  <a:pt x="1799" y="0"/>
-                </a:lnTo>
-                <a:close/>
-              </a:path>
-            </a:pathLst>
-          </a:custGeom>
-          <a:solidFill>
-            <a:srgbClr val="262626"/>
-          </a:solidFill>
-          <a:ln w="0">
-            <a:noFill/>
-            <a:prstDash val="solid"/>
-            <a:round/>
-            <a:headEnd/>
-            <a:tailEnd/>
-          </a:ln>
-        </p:spPr>
-      </p:sp>
-      <p:sp>
-        <p:nvSpPr>
           <p:cNvPr id="2" name="Vertical Title 1"/>
           <p:cNvSpPr>
             <a:spLocks noGrp="1"/>
@@ -1041,17 +652,13 @@
         </p:nvSpPr>
         <p:spPr>
           <a:xfrm>
-            <a:off x="7990765" y="642931"/>
-            <a:ext cx="2446670" cy="4678106"/>
+            <a:off x="8724900" y="762000"/>
+            <a:ext cx="2324100" cy="5410200"/>
           </a:xfrm>
         </p:spPr>
         <p:txBody>
           <a:bodyPr vert="eaVert"/>
-          <a:lstStyle>
-            <a:lvl1pPr algn="l">
-              <a:defRPr/>
-            </a:lvl1pPr>
-          </a:lstStyle>
+          <a:lstStyle/>
           <a:p>
             <a:r>
               <a:rPr lang="en-US" smtClean="0"/>
@@ -1073,8 +680,8 @@
         </p:nvSpPr>
         <p:spPr>
           <a:xfrm>
-            <a:off x="838200" y="642932"/>
-            <a:ext cx="7070678" cy="4678105"/>
+            <a:off x="1143000" y="762000"/>
+            <a:ext cx="7429500" cy="5410200"/>
           </a:xfrm>
         </p:spPr>
         <p:txBody>
@@ -1128,19 +735,14 @@
             <p:ph type="dt" sz="half" idx="10"/>
           </p:nvPr>
         </p:nvSpPr>
-        <p:spPr>
-          <a:xfrm>
-            <a:off x="6536187" y="5927131"/>
-            <a:ext cx="3814856" cy="365125"/>
-          </a:xfrm>
-        </p:spPr>
+        <p:spPr/>
         <p:txBody>
           <a:bodyPr/>
           <a:lstStyle/>
           <a:p>
             <a:fld id="{CDA879A6-0FD0-4734-A311-86BFCA472E6E}" type="datetimeFigureOut">
               <a:rPr lang="en-US" smtClean="0"/>
-              <a:t>1/23/2020</a:t>
+              <a:t>8/9/2020</a:t>
             </a:fld>
             <a:endParaRPr lang="en-US" dirty="0"/>
           </a:p>
@@ -1156,12 +758,7 @@
             <p:ph type="ftr" sz="quarter" idx="11"/>
           </p:nvPr>
         </p:nvSpPr>
-        <p:spPr>
-          <a:xfrm>
-            <a:off x="6536187" y="6315949"/>
-            <a:ext cx="3814856" cy="365125"/>
-          </a:xfrm>
-        </p:spPr>
+        <p:spPr/>
         <p:txBody>
           <a:bodyPr/>
           <a:lstStyle/>
@@ -1180,12 +777,7 @@
             <p:ph type="sldNum" sz="quarter" idx="12"/>
           </p:nvPr>
         </p:nvSpPr>
-        <p:spPr>
-          <a:xfrm>
-            <a:off x="11784011" y="5607592"/>
-            <a:ext cx="407988" cy="365125"/>
-          </a:xfrm>
-        </p:spPr>
+        <p:spPr/>
         <p:txBody>
           <a:bodyPr/>
           <a:lstStyle/>
@@ -1199,63 +791,19 @@
           </a:p>
         </p:txBody>
       </p:sp>
-      <p:cxnSp>
-        <p:nvCxnSpPr>
-          <p:cNvPr id="13" name="Straight Connector 12" title="Horizontal Rule Line"/>
-          <p:cNvCxnSpPr/>
-          <p:nvPr/>
-        </p:nvCxnSpPr>
-        <p:spPr>
-          <a:xfrm>
-            <a:off x="0" y="6199730"/>
-            <a:ext cx="10260011" cy="0"/>
-          </a:xfrm>
-          <a:prstGeom prst="line">
-            <a:avLst/>
-          </a:prstGeom>
-          <a:ln w="25400">
-            <a:solidFill>
-              <a:schemeClr val="tx1">
-                <a:lumMod val="85000"/>
-                <a:lumOff val="15000"/>
-              </a:schemeClr>
-            </a:solidFill>
-          </a:ln>
-        </p:spPr>
-        <p:style>
-          <a:lnRef idx="1">
-            <a:schemeClr val="accent1"/>
-          </a:lnRef>
-          <a:fillRef idx="0">
-            <a:schemeClr val="accent1"/>
-          </a:fillRef>
-          <a:effectRef idx="0">
-            <a:schemeClr val="accent1"/>
-          </a:effectRef>
-          <a:fontRef idx="minor">
-            <a:schemeClr val="tx1"/>
-          </a:fontRef>
-        </p:style>
-      </p:cxnSp>
     </p:spTree>
     <p:extLst>
       <p:ext uri="{BB962C8B-B14F-4D97-AF65-F5344CB8AC3E}">
-        <p14:creationId xmlns:p14="http://schemas.microsoft.com/office/powerpoint/2010/main" val="3423326263"/>
+        <p14:creationId xmlns:p14="http://schemas.microsoft.com/office/powerpoint/2010/main" val="2879737696"/>
       </p:ext>
     </p:extLst>
   </p:cSld>
   <p:clrMapOvr>
     <a:masterClrMapping/>
   </p:clrMapOvr>
-  <p:extLst mod="1">
+  <p:extLst>
     <p:ext uri="{DCECCB84-F9BA-43D5-87BE-67443E8EF086}">
-      <p15:sldGuideLst xmlns:p15="http://schemas.microsoft.com/office/powerpoint/2012/main">
-        <p15:guide id="1" pos="6456">
-          <p15:clr>
-            <a:srgbClr val="FBAE40"/>
-          </p15:clr>
-        </p15:guide>
-      </p15:sldGuideLst>
+      <p15:sldGuideLst xmlns:p15="http://schemas.microsoft.com/office/powerpoint/2012/main"/>
     </p:ext>
   </p:extLst>
 </p:sldLayout>
@@ -1370,7 +918,7 @@
           <a:p>
             <a:fld id="{19C9CA7B-DFD4-44B5-8C60-D14B8CD1FB59}" type="datetimeFigureOut">
               <a:rPr lang="en-US" smtClean="0"/>
-              <a:t>1/23/2020</a:t>
+              <a:t>8/9/2020</a:t>
             </a:fld>
             <a:endParaRPr lang="en-US" dirty="0"/>
           </a:p>
@@ -1422,7 +970,7 @@
     </p:spTree>
     <p:extLst>
       <p:ext uri="{BB962C8B-B14F-4D97-AF65-F5344CB8AC3E}">
-        <p14:creationId xmlns:p14="http://schemas.microsoft.com/office/powerpoint/2010/main" val="4056901114"/>
+        <p14:creationId xmlns:p14="http://schemas.microsoft.com/office/powerpoint/2010/main" val="311575884"/>
       </p:ext>
     </p:extLst>
   </p:cSld>
@@ -1433,16 +981,8 @@
 </file>
 
 <file path=ppt/slideLayouts/slideLayout3.xml><?xml version="1.0" encoding="utf-8"?>
-<p:sldLayout xmlns:a="http://schemas.openxmlformats.org/drawingml/2006/main" xmlns:r="http://schemas.openxmlformats.org/officeDocument/2006/relationships" xmlns:p="http://schemas.openxmlformats.org/presentationml/2006/main" showMasterSp="0" type="secHead" preserve="1">
+<p:sldLayout xmlns:a="http://schemas.openxmlformats.org/drawingml/2006/main" xmlns:r="http://schemas.openxmlformats.org/officeDocument/2006/relationships" xmlns:p="http://schemas.openxmlformats.org/presentationml/2006/main" type="secHead" preserve="1">
   <p:cSld name="Section Header">
-    <p:bg>
-      <p:bgPr>
-        <a:solidFill>
-          <a:schemeClr val="bg2"/>
-        </a:solidFill>
-        <a:effectLst/>
-      </p:bgPr>
-    </p:bg>
     <p:spTree>
       <p:nvGrpSpPr>
         <p:cNvPr id="1" name=""/>
@@ -1459,206 +999,6 @@
       </p:grpSpPr>
       <p:sp>
         <p:nvSpPr>
-          <p:cNvPr id="7" name="Freeform 6" title="Page Number Shape"/>
-          <p:cNvSpPr/>
-          <p:nvPr/>
-        </p:nvSpPr>
-        <p:spPr bwMode="auto">
-          <a:xfrm>
-            <a:off x="11784011" y="1393748"/>
-            <a:ext cx="407988" cy="819150"/>
-          </a:xfrm>
-          <a:custGeom>
-            <a:avLst/>
-            <a:gdLst/>
-            <a:ahLst/>
-            <a:cxnLst/>
-            <a:rect l="0" t="0" r="r" b="b"/>
-            <a:pathLst>
-              <a:path w="1799" h="3612">
-                <a:moveTo>
-                  <a:pt x="1799" y="0"/>
-                </a:moveTo>
-                <a:lnTo>
-                  <a:pt x="1799" y="3612"/>
-                </a:lnTo>
-                <a:lnTo>
-                  <a:pt x="1686" y="3609"/>
-                </a:lnTo>
-                <a:lnTo>
-                  <a:pt x="1574" y="3598"/>
-                </a:lnTo>
-                <a:lnTo>
-                  <a:pt x="1464" y="3581"/>
-                </a:lnTo>
-                <a:lnTo>
-                  <a:pt x="1357" y="3557"/>
-                </a:lnTo>
-                <a:lnTo>
-                  <a:pt x="1251" y="3527"/>
-                </a:lnTo>
-                <a:lnTo>
-                  <a:pt x="1150" y="3490"/>
-                </a:lnTo>
-                <a:lnTo>
-                  <a:pt x="1050" y="3448"/>
-                </a:lnTo>
-                <a:lnTo>
-                  <a:pt x="953" y="3401"/>
-                </a:lnTo>
-                <a:lnTo>
-                  <a:pt x="860" y="3347"/>
-                </a:lnTo>
-                <a:lnTo>
-                  <a:pt x="771" y="3289"/>
-                </a:lnTo>
-                <a:lnTo>
-                  <a:pt x="686" y="3224"/>
-                </a:lnTo>
-                <a:lnTo>
-                  <a:pt x="604" y="3156"/>
-                </a:lnTo>
-                <a:lnTo>
-                  <a:pt x="527" y="3083"/>
-                </a:lnTo>
-                <a:lnTo>
-                  <a:pt x="454" y="3005"/>
-                </a:lnTo>
-                <a:lnTo>
-                  <a:pt x="386" y="2923"/>
-                </a:lnTo>
-                <a:lnTo>
-                  <a:pt x="323" y="2838"/>
-                </a:lnTo>
-                <a:lnTo>
-                  <a:pt x="265" y="2748"/>
-                </a:lnTo>
-                <a:lnTo>
-                  <a:pt x="211" y="2655"/>
-                </a:lnTo>
-                <a:lnTo>
-                  <a:pt x="163" y="2559"/>
-                </a:lnTo>
-                <a:lnTo>
-                  <a:pt x="121" y="2459"/>
-                </a:lnTo>
-                <a:lnTo>
-                  <a:pt x="85" y="2356"/>
-                </a:lnTo>
-                <a:lnTo>
-                  <a:pt x="55" y="2251"/>
-                </a:lnTo>
-                <a:lnTo>
-                  <a:pt x="32" y="2143"/>
-                </a:lnTo>
-                <a:lnTo>
-                  <a:pt x="14" y="2033"/>
-                </a:lnTo>
-                <a:lnTo>
-                  <a:pt x="4" y="1920"/>
-                </a:lnTo>
-                <a:lnTo>
-                  <a:pt x="0" y="1806"/>
-                </a:lnTo>
-                <a:lnTo>
-                  <a:pt x="4" y="1692"/>
-                </a:lnTo>
-                <a:lnTo>
-                  <a:pt x="14" y="1580"/>
-                </a:lnTo>
-                <a:lnTo>
-                  <a:pt x="32" y="1469"/>
-                </a:lnTo>
-                <a:lnTo>
-                  <a:pt x="55" y="1362"/>
-                </a:lnTo>
-                <a:lnTo>
-                  <a:pt x="85" y="1256"/>
-                </a:lnTo>
-                <a:lnTo>
-                  <a:pt x="121" y="1154"/>
-                </a:lnTo>
-                <a:lnTo>
-                  <a:pt x="163" y="1054"/>
-                </a:lnTo>
-                <a:lnTo>
-                  <a:pt x="211" y="958"/>
-                </a:lnTo>
-                <a:lnTo>
-                  <a:pt x="265" y="864"/>
-                </a:lnTo>
-                <a:lnTo>
-                  <a:pt x="323" y="774"/>
-                </a:lnTo>
-                <a:lnTo>
-                  <a:pt x="386" y="689"/>
-                </a:lnTo>
-                <a:lnTo>
-                  <a:pt x="454" y="607"/>
-                </a:lnTo>
-                <a:lnTo>
-                  <a:pt x="527" y="529"/>
-                </a:lnTo>
-                <a:lnTo>
-                  <a:pt x="604" y="456"/>
-                </a:lnTo>
-                <a:lnTo>
-                  <a:pt x="686" y="388"/>
-                </a:lnTo>
-                <a:lnTo>
-                  <a:pt x="771" y="325"/>
-                </a:lnTo>
-                <a:lnTo>
-                  <a:pt x="860" y="266"/>
-                </a:lnTo>
-                <a:lnTo>
-                  <a:pt x="953" y="212"/>
-                </a:lnTo>
-                <a:lnTo>
-                  <a:pt x="1050" y="164"/>
-                </a:lnTo>
-                <a:lnTo>
-                  <a:pt x="1150" y="122"/>
-                </a:lnTo>
-                <a:lnTo>
-                  <a:pt x="1251" y="85"/>
-                </a:lnTo>
-                <a:lnTo>
-                  <a:pt x="1357" y="55"/>
-                </a:lnTo>
-                <a:lnTo>
-                  <a:pt x="1464" y="32"/>
-                </a:lnTo>
-                <a:lnTo>
-                  <a:pt x="1574" y="14"/>
-                </a:lnTo>
-                <a:lnTo>
-                  <a:pt x="1686" y="5"/>
-                </a:lnTo>
-                <a:lnTo>
-                  <a:pt x="1799" y="0"/>
-                </a:lnTo>
-                <a:close/>
-              </a:path>
-            </a:pathLst>
-          </a:custGeom>
-          <a:solidFill>
-            <a:schemeClr val="tx1">
-              <a:lumMod val="85000"/>
-              <a:lumOff val="15000"/>
-            </a:schemeClr>
-          </a:solidFill>
-          <a:ln w="0">
-            <a:noFill/>
-            <a:prstDash val="solid"/>
-            <a:round/>
-            <a:headEnd/>
-            <a:tailEnd/>
-          </a:ln>
-        </p:spPr>
-      </p:sp>
-      <p:sp>
-        <p:nvSpPr>
           <p:cNvPr id="2" name="Title 1"/>
           <p:cNvSpPr>
             <a:spLocks noGrp="1"/>
@@ -1669,8 +1009,45 @@
         </p:nvSpPr>
         <p:spPr>
           <a:xfrm>
-            <a:off x="1947673" y="2571722"/>
-            <a:ext cx="8296654" cy="3286153"/>
+            <a:off x="1106424" y="1173575"/>
+            <a:ext cx="9966960" cy="2926080"/>
+          </a:xfrm>
+        </p:spPr>
+        <p:txBody>
+          <a:bodyPr anchor="b">
+            <a:noAutofit/>
+          </a:bodyPr>
+          <a:lstStyle>
+            <a:lvl1pPr algn="ctr">
+              <a:lnSpc>
+                <a:spcPct val="85000"/>
+              </a:lnSpc>
+              <a:defRPr sz="7200" b="0" cap="all" baseline="0"/>
+            </a:lvl1pPr>
+          </a:lstStyle>
+          <a:p>
+            <a:r>
+              <a:rPr lang="en-US" smtClean="0"/>
+              <a:t>Click to edit Master title style</a:t>
+            </a:r>
+            <a:endParaRPr lang="en-US" dirty="0"/>
+          </a:p>
+        </p:txBody>
+      </p:sp>
+      <p:sp>
+        <p:nvSpPr>
+          <p:cNvPr id="3" name="Text Placeholder 2"/>
+          <p:cNvSpPr>
+            <a:spLocks noGrp="1"/>
+          </p:cNvSpPr>
+          <p:nvPr>
+            <p:ph type="body" idx="1"/>
+          </p:nvPr>
+        </p:nvSpPr>
+        <p:spPr>
+          <a:xfrm>
+            <a:off x="1709928" y="4154520"/>
+            <a:ext cx="8769096" cy="1363806"/>
           </a:xfrm>
         </p:spPr>
         <p:txBody>
@@ -1678,70 +1055,17 @@
             <a:normAutofit/>
           </a:bodyPr>
           <a:lstStyle>
-            <a:lvl1pPr>
-              <a:lnSpc>
-                <a:spcPct val="85000"/>
-              </a:lnSpc>
-              <a:defRPr sz="7700" cap="all" baseline="0">
+            <a:lvl1pPr marL="0" indent="0" algn="ctr">
+              <a:buNone/>
+              <a:defRPr sz="2200">
                 <a:solidFill>
-                  <a:schemeClr val="tx1">
-                    <a:lumMod val="85000"/>
-                    <a:lumOff val="15000"/>
-                  </a:schemeClr>
-                </a:solidFill>
-              </a:defRPr>
-            </a:lvl1pPr>
-          </a:lstStyle>
-          <a:p>
-            <a:r>
-              <a:rPr lang="en-US" smtClean="0"/>
-              <a:t>Click to edit Master title style</a:t>
-            </a:r>
-            <a:endParaRPr lang="en-US" dirty="0"/>
-          </a:p>
-        </p:txBody>
-      </p:sp>
-      <p:sp>
-        <p:nvSpPr>
-          <p:cNvPr id="3" name="Text Placeholder 2"/>
-          <p:cNvSpPr>
-            <a:spLocks noGrp="1"/>
-          </p:cNvSpPr>
-          <p:nvPr>
-            <p:ph type="body" idx="1"/>
-          </p:nvPr>
-        </p:nvSpPr>
-        <p:spPr>
-          <a:xfrm>
-            <a:off x="1947673" y="1393748"/>
-            <a:ext cx="8401429" cy="819150"/>
-          </a:xfrm>
-        </p:spPr>
-        <p:txBody>
-          <a:bodyPr anchor="ctr">
-            <a:normAutofit/>
-          </a:bodyPr>
-          <a:lstStyle>
-            <a:lvl1pPr marL="0" indent="0" algn="r">
-              <a:lnSpc>
-                <a:spcPct val="113000"/>
-              </a:lnSpc>
-              <a:spcBef>
-                <a:spcPts val="0"/>
-              </a:spcBef>
-              <a:buNone/>
-              <a:defRPr sz="2000" b="0" i="1" baseline="0">
-                <a:solidFill>
-                  <a:schemeClr val="tx1">
-                    <a:lumMod val="85000"/>
-                    <a:lumOff val="15000"/>
-                  </a:schemeClr>
+                  <a:schemeClr val="accent1"/>
                 </a:solidFill>
               </a:defRPr>
             </a:lvl1pPr>
             <a:lvl2pPr marL="457200" indent="0">
               <a:buNone/>
-              <a:defRPr sz="2000">
+              <a:defRPr sz="1800">
                 <a:solidFill>
                   <a:schemeClr val="tx1">
                     <a:tint val="75000"/>
@@ -1751,7 +1075,7 @@
             </a:lvl2pPr>
             <a:lvl3pPr marL="914400" indent="0">
               <a:buNone/>
-              <a:defRPr sz="1800">
+              <a:defRPr sz="1600">
                 <a:solidFill>
                   <a:schemeClr val="tx1">
                     <a:tint val="75000"/>
@@ -1761,7 +1085,7 @@
             </a:lvl3pPr>
             <a:lvl4pPr marL="1371600" indent="0">
               <a:buNone/>
-              <a:defRPr sz="1600">
+              <a:defRPr sz="1400">
                 <a:solidFill>
                   <a:schemeClr val="tx1">
                     <a:tint val="75000"/>
@@ -1771,7 +1095,7 @@
             </a:lvl4pPr>
             <a:lvl5pPr marL="1828800" indent="0">
               <a:buNone/>
-              <a:defRPr sz="1600">
+              <a:defRPr sz="1400">
                 <a:solidFill>
                   <a:schemeClr val="tx1">
                     <a:tint val="75000"/>
@@ -1781,7 +1105,7 @@
             </a:lvl5pPr>
             <a:lvl6pPr marL="2286000" indent="0">
               <a:buNone/>
-              <a:defRPr sz="1600">
+              <a:defRPr sz="1400">
                 <a:solidFill>
                   <a:schemeClr val="tx1">
                     <a:tint val="75000"/>
@@ -1791,7 +1115,7 @@
             </a:lvl6pPr>
             <a:lvl7pPr marL="2743200" indent="0">
               <a:buNone/>
-              <a:defRPr sz="1600">
+              <a:defRPr sz="1400">
                 <a:solidFill>
                   <a:schemeClr val="tx1">
                     <a:tint val="75000"/>
@@ -1801,7 +1125,7 @@
             </a:lvl7pPr>
             <a:lvl8pPr marL="3200400" indent="0">
               <a:buNone/>
-              <a:defRPr sz="1600">
+              <a:defRPr sz="1400">
                 <a:solidFill>
                   <a:schemeClr val="tx1">
                     <a:tint val="75000"/>
@@ -1811,7 +1135,7 @@
             </a:lvl8pPr>
             <a:lvl9pPr marL="3657600" indent="0">
               <a:buNone/>
-              <a:defRPr sz="1600">
+              <a:defRPr sz="1400">
                 <a:solidFill>
                   <a:schemeClr val="tx1">
                     <a:tint val="75000"/>
@@ -1839,30 +1163,14 @@
             <p:ph type="dt" sz="half" idx="10"/>
           </p:nvPr>
         </p:nvSpPr>
-        <p:spPr>
-          <a:xfrm>
-            <a:off x="8742955" y="6314439"/>
-            <a:ext cx="1596622" cy="365125"/>
-          </a:xfrm>
-        </p:spPr>
+        <p:spPr/>
         <p:txBody>
           <a:bodyPr/>
-          <a:lstStyle>
-            <a:lvl1pPr>
-              <a:defRPr sz="1200">
-                <a:solidFill>
-                  <a:schemeClr val="tx1">
-                    <a:lumMod val="85000"/>
-                    <a:lumOff val="15000"/>
-                  </a:schemeClr>
-                </a:solidFill>
-              </a:defRPr>
-            </a:lvl1pPr>
-          </a:lstStyle>
+          <a:lstStyle/>
           <a:p>
             <a:fld id="{F34E6425-0181-43F2-84FC-787E803FD2F8}" type="datetimeFigureOut">
               <a:rPr lang="en-US" smtClean="0"/>
-              <a:t>1/23/2020</a:t>
+              <a:t>8/9/2020</a:t>
             </a:fld>
             <a:endParaRPr lang="en-US" dirty="0"/>
           </a:p>
@@ -1878,26 +1186,10 @@
             <p:ph type="ftr" sz="quarter" idx="11"/>
           </p:nvPr>
         </p:nvSpPr>
-        <p:spPr>
-          <a:xfrm>
-            <a:off x="1947673" y="6314440"/>
-            <a:ext cx="6480226" cy="365125"/>
-          </a:xfrm>
-        </p:spPr>
+        <p:spPr/>
         <p:txBody>
           <a:bodyPr/>
-          <a:lstStyle>
-            <a:lvl1pPr>
-              <a:defRPr b="0">
-                <a:solidFill>
-                  <a:schemeClr val="tx1">
-                    <a:lumMod val="85000"/>
-                    <a:lumOff val="15000"/>
-                  </a:schemeClr>
-                </a:solidFill>
-              </a:defRPr>
-            </a:lvl1pPr>
-          </a:lstStyle>
+          <a:lstStyle/>
           <a:p>
             <a:endParaRPr lang="en-US" dirty="0"/>
           </a:p>
@@ -1913,23 +1205,10 @@
             <p:ph type="sldNum" sz="quarter" idx="12"/>
           </p:nvPr>
         </p:nvSpPr>
-        <p:spPr>
-          <a:xfrm>
-            <a:off x="11784011" y="1620760"/>
-            <a:ext cx="407988" cy="365125"/>
-          </a:xfrm>
-        </p:spPr>
+        <p:spPr/>
         <p:txBody>
           <a:bodyPr/>
-          <a:lstStyle>
-            <a:lvl1pPr>
-              <a:defRPr>
-                <a:solidFill>
-                  <a:schemeClr val="bg2"/>
-                </a:solidFill>
-              </a:defRPr>
-            </a:lvl1pPr>
-          </a:lstStyle>
+          <a:lstStyle/>
           <a:p>
             <a:fld id="{D57F1E4F-1CFF-5643-939E-217C01CDF565}" type="slidenum">
               <a:rPr lang="en-US" smtClean="0"/>
@@ -1942,24 +1221,21 @@
       </p:sp>
       <p:cxnSp>
         <p:nvCxnSpPr>
-          <p:cNvPr id="10" name="Straight Connector 9" title="Horizontal Rule Line"/>
+          <p:cNvPr id="7" name="Straight Connector 6"/>
           <p:cNvCxnSpPr/>
           <p:nvPr/>
         </p:nvCxnSpPr>
         <p:spPr>
-          <a:xfrm flipH="1">
-            <a:off x="1" y="6178167"/>
-            <a:ext cx="10244326" cy="0"/>
+          <a:xfrm>
+            <a:off x="1981200" y="4020408"/>
+            <a:ext cx="8229601" cy="0"/>
           </a:xfrm>
           <a:prstGeom prst="line">
             <a:avLst/>
           </a:prstGeom>
-          <a:ln w="25400">
+          <a:ln>
             <a:solidFill>
-              <a:schemeClr val="tx1">
-                <a:lumMod val="85000"/>
-                <a:lumOff val="15000"/>
-              </a:schemeClr>
+              <a:schemeClr val="accent1"/>
             </a:solidFill>
           </a:ln>
         </p:spPr>
@@ -1981,22 +1257,16 @@
     </p:spTree>
     <p:extLst>
       <p:ext uri="{BB962C8B-B14F-4D97-AF65-F5344CB8AC3E}">
-        <p14:creationId xmlns:p14="http://schemas.microsoft.com/office/powerpoint/2010/main" val="3072080314"/>
+        <p14:creationId xmlns:p14="http://schemas.microsoft.com/office/powerpoint/2010/main" val="354265001"/>
       </p:ext>
     </p:extLst>
   </p:cSld>
   <p:clrMapOvr>
     <a:masterClrMapping/>
   </p:clrMapOvr>
-  <p:extLst mod="1">
+  <p:extLst>
     <p:ext uri="{DCECCB84-F9BA-43D5-87BE-67443E8EF086}">
-      <p15:sldGuideLst xmlns:p15="http://schemas.microsoft.com/office/powerpoint/2012/main">
-        <p15:guide id="1" pos="6456">
-          <p15:clr>
-            <a:srgbClr val="FBAE40"/>
-          </p15:clr>
-        </p15:guide>
-      </p15:sldGuideLst>
+      <p15:sldGuideLst xmlns:p15="http://schemas.microsoft.com/office/powerpoint/2012/main"/>
     </p:ext>
   </p:extLst>
 </p:sldLayout>
@@ -2021,7 +1291,7 @@
       </p:grpSpPr>
       <p:sp>
         <p:nvSpPr>
-          <p:cNvPr id="2" name="Title 1"/>
+          <p:cNvPr id="8" name="Title 7"/>
           <p:cNvSpPr>
             <a:spLocks noGrp="1"/>
           </p:cNvSpPr>
@@ -2054,13 +1324,41 @@
         </p:nvSpPr>
         <p:spPr>
           <a:xfrm>
-            <a:off x="5181600" y="540628"/>
-            <a:ext cx="6248400" cy="2488946"/>
+            <a:off x="1143000" y="2057399"/>
+            <a:ext cx="4754880" cy="4023360"/>
           </a:xfrm>
         </p:spPr>
         <p:txBody>
           <a:bodyPr/>
-          <a:lstStyle/>
+          <a:lstStyle>
+            <a:lvl1pPr>
+              <a:defRPr sz="2200"/>
+            </a:lvl1pPr>
+            <a:lvl2pPr>
+              <a:defRPr sz="2000"/>
+            </a:lvl2pPr>
+            <a:lvl3pPr>
+              <a:defRPr sz="1800"/>
+            </a:lvl3pPr>
+            <a:lvl4pPr>
+              <a:defRPr sz="1600"/>
+            </a:lvl4pPr>
+            <a:lvl5pPr>
+              <a:defRPr sz="1600"/>
+            </a:lvl5pPr>
+            <a:lvl6pPr>
+              <a:defRPr sz="1600"/>
+            </a:lvl6pPr>
+            <a:lvl7pPr>
+              <a:defRPr sz="1600"/>
+            </a:lvl7pPr>
+            <a:lvl8pPr>
+              <a:defRPr sz="1600"/>
+            </a:lvl8pPr>
+            <a:lvl9pPr>
+              <a:defRPr sz="1600"/>
+            </a:lvl9pPr>
+          </a:lstStyle>
           <a:p>
             <a:pPr lvl="0"/>
             <a:r>
@@ -2111,13 +1409,41 @@
         </p:nvSpPr>
         <p:spPr>
           <a:xfrm>
-            <a:off x="5181600" y="3712467"/>
-            <a:ext cx="6248400" cy="2482228"/>
+            <a:off x="6267612" y="2057400"/>
+            <a:ext cx="4754880" cy="4023360"/>
           </a:xfrm>
         </p:spPr>
         <p:txBody>
           <a:bodyPr/>
-          <a:lstStyle/>
+          <a:lstStyle>
+            <a:lvl1pPr>
+              <a:defRPr sz="2200"/>
+            </a:lvl1pPr>
+            <a:lvl2pPr>
+              <a:defRPr sz="2000"/>
+            </a:lvl2pPr>
+            <a:lvl3pPr>
+              <a:defRPr sz="1800"/>
+            </a:lvl3pPr>
+            <a:lvl4pPr>
+              <a:defRPr sz="1600"/>
+            </a:lvl4pPr>
+            <a:lvl5pPr>
+              <a:defRPr sz="1600"/>
+            </a:lvl5pPr>
+            <a:lvl6pPr>
+              <a:defRPr sz="1600"/>
+            </a:lvl6pPr>
+            <a:lvl7pPr>
+              <a:defRPr sz="1600"/>
+            </a:lvl7pPr>
+            <a:lvl8pPr>
+              <a:defRPr sz="1600"/>
+            </a:lvl8pPr>
+            <a:lvl9pPr>
+              <a:defRPr sz="1600"/>
+            </a:lvl9pPr>
+          </a:lstStyle>
           <a:p>
             <a:pPr lvl="0"/>
             <a:r>
@@ -2173,7 +1499,7 @@
           <a:p>
             <a:fld id="{3BDB8791-F1B0-41E7-B7FD-A781E65C4266}" type="datetimeFigureOut">
               <a:rPr lang="en-US" smtClean="0"/>
-              <a:t>1/23/2020</a:t>
+              <a:t>8/9/2020</a:t>
             </a:fld>
             <a:endParaRPr lang="en-US" dirty="0"/>
           </a:p>
@@ -2225,7 +1551,7 @@
     </p:spTree>
     <p:extLst>
       <p:ext uri="{BB962C8B-B14F-4D97-AF65-F5344CB8AC3E}">
-        <p14:creationId xmlns:p14="http://schemas.microsoft.com/office/powerpoint/2010/main" val="660644267"/>
+        <p14:creationId xmlns:p14="http://schemas.microsoft.com/office/powerpoint/2010/main" val="1039547792"/>
       </p:ext>
     </p:extLst>
   </p:cSld>
@@ -2254,69 +1580,52 @@
       </p:grpSpPr>
       <p:sp>
         <p:nvSpPr>
-          <p:cNvPr id="2" name="Title 1"/>
+          <p:cNvPr id="10" name="Title 9"/>
           <p:cNvSpPr>
             <a:spLocks noGrp="1"/>
           </p:cNvSpPr>
           <p:nvPr>
             <p:ph type="title"/>
+          </p:nvPr>
+        </p:nvSpPr>
+        <p:spPr/>
+        <p:txBody>
+          <a:bodyPr/>
+          <a:lstStyle/>
+          <a:p>
+            <a:r>
+              <a:rPr lang="en-US" smtClean="0"/>
+              <a:t>Click to edit Master title style</a:t>
+            </a:r>
+            <a:endParaRPr lang="en-US" dirty="0"/>
+          </a:p>
+        </p:txBody>
+      </p:sp>
+      <p:sp>
+        <p:nvSpPr>
+          <p:cNvPr id="3" name="Text Placeholder 2"/>
+          <p:cNvSpPr>
+            <a:spLocks noGrp="1"/>
+          </p:cNvSpPr>
+          <p:nvPr>
+            <p:ph type="body" idx="1"/>
           </p:nvPr>
         </p:nvSpPr>
         <p:spPr>
           <a:xfrm>
-            <a:off x="762000" y="557784"/>
-            <a:ext cx="3831336" cy="4956048"/>
+            <a:off x="1143000" y="2001511"/>
+            <a:ext cx="4754880" cy="777240"/>
           </a:xfrm>
         </p:spPr>
         <p:txBody>
-          <a:bodyPr/>
-          <a:lstStyle/>
-          <a:p>
-            <a:r>
-              <a:rPr lang="en-US" smtClean="0"/>
-              <a:t>Click to edit Master title style</a:t>
-            </a:r>
-            <a:endParaRPr lang="en-US" dirty="0"/>
-          </a:p>
-        </p:txBody>
-      </p:sp>
-      <p:sp>
-        <p:nvSpPr>
-          <p:cNvPr id="3" name="Text Placeholder 2"/>
-          <p:cNvSpPr>
-            <a:spLocks noGrp="1"/>
-          </p:cNvSpPr>
-          <p:nvPr>
-            <p:ph type="body" idx="1"/>
-          </p:nvPr>
-        </p:nvSpPr>
-        <p:spPr>
-          <a:xfrm>
-            <a:off x="5181600" y="558065"/>
-            <a:ext cx="6245352" cy="914400"/>
-          </a:xfrm>
-        </p:spPr>
-        <p:txBody>
-          <a:bodyPr anchor="b">
-            <a:normAutofit/>
-          </a:bodyPr>
+          <a:bodyPr anchor="ctr"/>
           <a:lstStyle>
             <a:lvl1pPr marL="0" indent="0">
-              <a:lnSpc>
-                <a:spcPct val="113000"/>
-              </a:lnSpc>
               <a:spcBef>
                 <a:spcPts val="0"/>
               </a:spcBef>
               <a:buNone/>
-              <a:defRPr sz="2400" b="0" i="1" baseline="0">
-                <a:solidFill>
-                  <a:schemeClr val="tx1">
-                    <a:lumMod val="85000"/>
-                    <a:lumOff val="15000"/>
-                  </a:schemeClr>
-                </a:solidFill>
-              </a:defRPr>
+              <a:defRPr sz="2400" b="1"/>
             </a:lvl1pPr>
             <a:lvl2pPr marL="457200" indent="0">
               <a:buNone/>
@@ -2372,13 +1681,41 @@
         </p:nvSpPr>
         <p:spPr>
           <a:xfrm>
-            <a:off x="5181600" y="1526671"/>
-            <a:ext cx="6245352" cy="1755648"/>
+            <a:off x="1143000" y="2721483"/>
+            <a:ext cx="4754880" cy="3383280"/>
           </a:xfrm>
         </p:spPr>
         <p:txBody>
           <a:bodyPr/>
-          <a:lstStyle/>
+          <a:lstStyle>
+            <a:lvl1pPr>
+              <a:defRPr sz="2200"/>
+            </a:lvl1pPr>
+            <a:lvl2pPr>
+              <a:defRPr sz="2000"/>
+            </a:lvl2pPr>
+            <a:lvl3pPr>
+              <a:defRPr sz="1800"/>
+            </a:lvl3pPr>
+            <a:lvl4pPr>
+              <a:defRPr sz="1600"/>
+            </a:lvl4pPr>
+            <a:lvl5pPr>
+              <a:defRPr sz="1600"/>
+            </a:lvl5pPr>
+            <a:lvl6pPr>
+              <a:defRPr sz="1600"/>
+            </a:lvl6pPr>
+            <a:lvl7pPr>
+              <a:defRPr sz="1600"/>
+            </a:lvl7pPr>
+            <a:lvl8pPr>
+              <a:defRPr sz="1600"/>
+            </a:lvl8pPr>
+            <a:lvl9pPr>
+              <a:defRPr sz="1600"/>
+            </a:lvl9pPr>
+          </a:lstStyle>
           <a:p>
             <a:pPr lvl="0"/>
             <a:r>
@@ -2429,25 +1766,19 @@
         </p:nvSpPr>
         <p:spPr>
           <a:xfrm>
-            <a:off x="5181600" y="3700826"/>
-            <a:ext cx="6248400" cy="914400"/>
+            <a:off x="6269173" y="1999032"/>
+            <a:ext cx="4754880" cy="777240"/>
           </a:xfrm>
         </p:spPr>
         <p:txBody>
-          <a:bodyPr anchor="b">
-            <a:normAutofit/>
-          </a:bodyPr>
+          <a:bodyPr anchor="ctr"/>
           <a:lstStyle>
             <a:lvl1pPr marL="0" indent="0">
-              <a:buNone/>
-              <a:defRPr sz="2400" b="0" i="1" baseline="0">
-                <a:solidFill>
-                  <a:schemeClr val="tx1">
-                    <a:lumMod val="85000"/>
-                    <a:lumOff val="15000"/>
-                  </a:schemeClr>
-                </a:solidFill>
-              </a:defRPr>
+              <a:spcBef>
+                <a:spcPts val="0"/>
+              </a:spcBef>
+              <a:buNone/>
+              <a:defRPr sz="2400" b="1"/>
             </a:lvl1pPr>
             <a:lvl2pPr marL="457200" indent="0">
               <a:buNone/>
@@ -2503,13 +1834,41 @@
         </p:nvSpPr>
         <p:spPr>
           <a:xfrm>
-            <a:off x="5181600" y="4669432"/>
-            <a:ext cx="6245352" cy="1755648"/>
+            <a:off x="6269173" y="2719322"/>
+            <a:ext cx="4754880" cy="3383280"/>
           </a:xfrm>
         </p:spPr>
         <p:txBody>
           <a:bodyPr/>
-          <a:lstStyle/>
+          <a:lstStyle>
+            <a:lvl1pPr>
+              <a:defRPr sz="2200"/>
+            </a:lvl1pPr>
+            <a:lvl2pPr>
+              <a:defRPr sz="2000"/>
+            </a:lvl2pPr>
+            <a:lvl3pPr>
+              <a:defRPr sz="1800"/>
+            </a:lvl3pPr>
+            <a:lvl4pPr>
+              <a:defRPr sz="1600"/>
+            </a:lvl4pPr>
+            <a:lvl5pPr>
+              <a:defRPr sz="1600"/>
+            </a:lvl5pPr>
+            <a:lvl6pPr>
+              <a:defRPr sz="1600"/>
+            </a:lvl6pPr>
+            <a:lvl7pPr>
+              <a:defRPr sz="1600"/>
+            </a:lvl7pPr>
+            <a:lvl8pPr>
+              <a:defRPr sz="1600"/>
+            </a:lvl8pPr>
+            <a:lvl9pPr>
+              <a:defRPr sz="1600"/>
+            </a:lvl9pPr>
+          </a:lstStyle>
           <a:p>
             <a:pPr lvl="0"/>
             <a:r>
@@ -2565,7 +1924,7 @@
           <a:p>
             <a:fld id="{5FDD63B2-E120-4ED8-B27B-C685F510A5FE}" type="datetimeFigureOut">
               <a:rPr lang="en-US" smtClean="0"/>
-              <a:t>1/23/2020</a:t>
+              <a:t>8/9/2020</a:t>
             </a:fld>
             <a:endParaRPr lang="en-US" dirty="0"/>
           </a:p>
@@ -2617,7 +1976,7 @@
     </p:spTree>
     <p:extLst>
       <p:ext uri="{BB962C8B-B14F-4D97-AF65-F5344CB8AC3E}">
-        <p14:creationId xmlns:p14="http://schemas.microsoft.com/office/powerpoint/2010/main" val="1345591256"/>
+        <p14:creationId xmlns:p14="http://schemas.microsoft.com/office/powerpoint/2010/main" val="886896036"/>
       </p:ext>
     </p:extLst>
   </p:cSld>
@@ -2684,7 +2043,7 @@
           <a:p>
             <a:fld id="{7AA18ACC-A947-437B-A130-35BD54FDF1E9}" type="datetimeFigureOut">
               <a:rPr lang="en-US" smtClean="0"/>
-              <a:t>1/23/2020</a:t>
+              <a:t>8/9/2020</a:t>
             </a:fld>
             <a:endParaRPr lang="en-US" dirty="0"/>
           </a:p>
@@ -2736,7 +2095,7 @@
     </p:spTree>
     <p:extLst>
       <p:ext uri="{BB962C8B-B14F-4D97-AF65-F5344CB8AC3E}">
-        <p14:creationId xmlns:p14="http://schemas.microsoft.com/office/powerpoint/2010/main" val="3965604617"/>
+        <p14:creationId xmlns:p14="http://schemas.microsoft.com/office/powerpoint/2010/main" val="15283052"/>
       </p:ext>
     </p:extLst>
   </p:cSld>
@@ -2780,7 +2139,7 @@
           <a:p>
             <a:fld id="{7C8D7E02-BCB8-4D50-A234-369438C08659}" type="datetimeFigureOut">
               <a:rPr lang="en-US" smtClean="0"/>
-              <a:t>1/23/2020</a:t>
+              <a:t>8/9/2020</a:t>
             </a:fld>
             <a:endParaRPr lang="en-US" dirty="0"/>
           </a:p>
@@ -2832,7 +2191,7 @@
     </p:spTree>
     <p:extLst>
       <p:ext uri="{BB962C8B-B14F-4D97-AF65-F5344CB8AC3E}">
-        <p14:creationId xmlns:p14="http://schemas.microsoft.com/office/powerpoint/2010/main" val="1322638363"/>
+        <p14:creationId xmlns:p14="http://schemas.microsoft.com/office/powerpoint/2010/main" val="3294579596"/>
       </p:ext>
     </p:extLst>
   </p:cSld>
@@ -2871,20 +2230,20 @@
         </p:nvSpPr>
         <p:spPr>
           <a:xfrm>
-            <a:off x="762000" y="555479"/>
-            <a:ext cx="3838776" cy="1921022"/>
+            <a:off x="1143000" y="1097280"/>
+            <a:ext cx="3931920" cy="1737360"/>
           </a:xfrm>
         </p:spPr>
         <p:txBody>
-          <a:bodyPr anchor="t">
+          <a:bodyPr anchor="b">
             <a:noAutofit/>
           </a:bodyPr>
           <a:lstStyle>
             <a:lvl1pPr>
               <a:lnSpc>
-                <a:spcPct val="93000"/>
+                <a:spcPct val="90000"/>
               </a:lnSpc>
-              <a:defRPr sz="4000"/>
+              <a:defRPr sz="4000" b="0"/>
             </a:lvl1pPr>
           </a:lstStyle>
           <a:p>
@@ -2908,54 +2267,39 @@
         </p:nvSpPr>
         <p:spPr>
           <a:xfrm>
-            <a:off x="5181600" y="564147"/>
-            <a:ext cx="6248400" cy="5622644"/>
+            <a:off x="5852159" y="1097280"/>
+            <a:ext cx="5212080" cy="4663440"/>
           </a:xfrm>
         </p:spPr>
         <p:txBody>
           <a:bodyPr/>
           <a:lstStyle>
             <a:lvl1pPr>
-              <a:lnSpc>
-                <a:spcPct val="112000"/>
-              </a:lnSpc>
-              <a:defRPr sz="2000"/>
+              <a:defRPr sz="3200"/>
             </a:lvl1pPr>
             <a:lvl2pPr>
-              <a:lnSpc>
-                <a:spcPct val="112000"/>
-              </a:lnSpc>
-              <a:defRPr sz="1800"/>
+              <a:defRPr sz="2800"/>
             </a:lvl2pPr>
             <a:lvl3pPr>
-              <a:lnSpc>
-                <a:spcPct val="112000"/>
-              </a:lnSpc>
-              <a:defRPr sz="1600"/>
+              <a:defRPr sz="2400"/>
             </a:lvl3pPr>
             <a:lvl4pPr>
-              <a:lnSpc>
-                <a:spcPct val="112000"/>
-              </a:lnSpc>
-              <a:defRPr sz="1400"/>
+              <a:defRPr sz="2000"/>
             </a:lvl4pPr>
             <a:lvl5pPr>
-              <a:lnSpc>
-                <a:spcPct val="112000"/>
-              </a:lnSpc>
-              <a:defRPr sz="1400"/>
+              <a:defRPr sz="2000"/>
             </a:lvl5pPr>
             <a:lvl6pPr>
-              <a:defRPr sz="1400"/>
+              <a:defRPr sz="2000"/>
             </a:lvl6pPr>
             <a:lvl7pPr>
-              <a:defRPr sz="1400"/>
+              <a:defRPr sz="2000"/>
             </a:lvl7pPr>
             <a:lvl8pPr>
-              <a:defRPr sz="1400"/>
+              <a:defRPr sz="2000"/>
             </a:lvl8pPr>
             <a:lvl9pPr>
-              <a:defRPr sz="1400"/>
+              <a:defRPr sz="2000"/>
             </a:lvl9pPr>
           </a:lstStyle>
           <a:p>
@@ -3008,51 +2352,56 @@
         </p:nvSpPr>
         <p:spPr>
           <a:xfrm>
-            <a:off x="762000" y="2621512"/>
-            <a:ext cx="3838776" cy="3239537"/>
+            <a:off x="1143000" y="2834640"/>
+            <a:ext cx="3931920" cy="3017520"/>
           </a:xfrm>
         </p:spPr>
         <p:txBody>
-          <a:bodyPr/>
+          <a:bodyPr>
+            <a:normAutofit/>
+          </a:bodyPr>
           <a:lstStyle>
-            <a:lvl1pPr marL="0" indent="0" algn="r">
+            <a:lvl1pPr marL="0" indent="0">
               <a:lnSpc>
-                <a:spcPct val="125000"/>
+                <a:spcPct val="100000"/>
               </a:lnSpc>
-              <a:buNone/>
-              <a:defRPr sz="1600"/>
+              <a:spcBef>
+                <a:spcPts val="1000"/>
+              </a:spcBef>
+              <a:buNone/>
+              <a:defRPr sz="1700"/>
             </a:lvl1pPr>
             <a:lvl2pPr marL="457200" indent="0">
               <a:buNone/>
-              <a:defRPr sz="1400"/>
+              <a:defRPr sz="1200"/>
             </a:lvl2pPr>
             <a:lvl3pPr marL="914400" indent="0">
               <a:buNone/>
-              <a:defRPr sz="1200"/>
+              <a:defRPr sz="1000"/>
             </a:lvl3pPr>
             <a:lvl4pPr marL="1371600" indent="0">
               <a:buNone/>
-              <a:defRPr sz="1000"/>
+              <a:defRPr sz="900"/>
             </a:lvl4pPr>
             <a:lvl5pPr marL="1828800" indent="0">
               <a:buNone/>
-              <a:defRPr sz="1000"/>
+              <a:defRPr sz="900"/>
             </a:lvl5pPr>
             <a:lvl6pPr marL="2286000" indent="0">
               <a:buNone/>
-              <a:defRPr sz="1000"/>
+              <a:defRPr sz="900"/>
             </a:lvl6pPr>
             <a:lvl7pPr marL="2743200" indent="0">
               <a:buNone/>
-              <a:defRPr sz="1000"/>
+              <a:defRPr sz="900"/>
             </a:lvl7pPr>
             <a:lvl8pPr marL="3200400" indent="0">
               <a:buNone/>
-              <a:defRPr sz="1000"/>
+              <a:defRPr sz="900"/>
             </a:lvl8pPr>
             <a:lvl9pPr marL="3657600" indent="0">
               <a:buNone/>
-              <a:defRPr sz="1000"/>
+              <a:defRPr sz="900"/>
             </a:lvl9pPr>
           </a:lstStyle>
           <a:p>
@@ -3081,7 +2430,7 @@
           <a:p>
             <a:fld id="{76E86A4C-8E40-4F87-A4F0-01A0687C5742}" type="datetimeFigureOut">
               <a:rPr lang="en-US" smtClean="0"/>
-              <a:t>1/23/2020</a:t>
+              <a:t>8/9/2020</a:t>
             </a:fld>
             <a:endParaRPr lang="en-US" dirty="0"/>
           </a:p>
@@ -3133,7 +2482,7 @@
     </p:spTree>
     <p:extLst>
       <p:ext uri="{BB962C8B-B14F-4D97-AF65-F5344CB8AC3E}">
-        <p14:creationId xmlns:p14="http://schemas.microsoft.com/office/powerpoint/2010/main" val="1156187386"/>
+        <p14:creationId xmlns:p14="http://schemas.microsoft.com/office/powerpoint/2010/main" val="3198739892"/>
       </p:ext>
     </p:extLst>
   </p:cSld>
@@ -3172,20 +2521,20 @@
         </p:nvSpPr>
         <p:spPr>
           <a:xfrm>
-            <a:off x="758952" y="557261"/>
-            <a:ext cx="3840480" cy="1919239"/>
+            <a:off x="1143000" y="1097280"/>
+            <a:ext cx="3931920" cy="1737360"/>
           </a:xfrm>
         </p:spPr>
         <p:txBody>
-          <a:bodyPr anchor="t">
+          <a:bodyPr anchor="b">
             <a:noAutofit/>
           </a:bodyPr>
           <a:lstStyle>
             <a:lvl1pPr>
               <a:lnSpc>
-                <a:spcPct val="93000"/>
+                <a:spcPct val="90000"/>
               </a:lnSpc>
-              <a:defRPr sz="4000" baseline="0"/>
+              <a:defRPr sz="4000" b="0"/>
             </a:lvl1pPr>
           </a:lstStyle>
           <a:p>
@@ -3209,16 +2558,18 @@
         </p:nvSpPr>
         <p:spPr>
           <a:xfrm>
-            <a:off x="5257800" y="0"/>
-            <a:ext cx="6172200" cy="6857999"/>
+            <a:off x="5413248" y="1069847"/>
+            <a:ext cx="6099048" cy="4800600"/>
           </a:xfrm>
         </p:spPr>
         <p:txBody>
-          <a:bodyPr anchor="t"/>
+          <a:bodyPr lIns="274320" tIns="182880" anchor="t">
+            <a:normAutofit/>
+          </a:bodyPr>
           <a:lstStyle>
             <a:lvl1pPr marL="0" indent="0">
               <a:buNone/>
-              <a:defRPr sz="3200"/>
+              <a:defRPr sz="2800"/>
             </a:lvl1pPr>
             <a:lvl2pPr marL="457200" indent="0">
               <a:buNone/>
@@ -3274,51 +2625,56 @@
         </p:nvSpPr>
         <p:spPr>
           <a:xfrm>
-            <a:off x="758952" y="2621512"/>
-            <a:ext cx="3840480" cy="3236976"/>
+            <a:off x="1143000" y="2834640"/>
+            <a:ext cx="3931920" cy="2880360"/>
           </a:xfrm>
         </p:spPr>
         <p:txBody>
-          <a:bodyPr/>
+          <a:bodyPr>
+            <a:normAutofit/>
+          </a:bodyPr>
           <a:lstStyle>
-            <a:lvl1pPr marL="0" indent="0" algn="r">
+            <a:lvl1pPr marL="0" indent="0">
               <a:lnSpc>
-                <a:spcPct val="125000"/>
+                <a:spcPct val="100000"/>
               </a:lnSpc>
-              <a:buNone/>
-              <a:defRPr sz="1600"/>
+              <a:spcBef>
+                <a:spcPts val="1000"/>
+              </a:spcBef>
+              <a:buNone/>
+              <a:defRPr sz="1700"/>
             </a:lvl1pPr>
             <a:lvl2pPr marL="457200" indent="0">
               <a:buNone/>
-              <a:defRPr sz="1400"/>
+              <a:defRPr sz="1200"/>
             </a:lvl2pPr>
             <a:lvl3pPr marL="914400" indent="0">
               <a:buNone/>
-              <a:defRPr sz="1200"/>
+              <a:defRPr sz="1000"/>
             </a:lvl3pPr>
             <a:lvl4pPr marL="1371600" indent="0">
               <a:buNone/>
-              <a:defRPr sz="1000"/>
+              <a:defRPr sz="900"/>
             </a:lvl4pPr>
             <a:lvl5pPr marL="1828800" indent="0">
               <a:buNone/>
-              <a:defRPr sz="1000"/>
+              <a:defRPr sz="900"/>
             </a:lvl5pPr>
             <a:lvl6pPr marL="2286000" indent="0">
               <a:buNone/>
-              <a:defRPr sz="1000"/>
+              <a:defRPr sz="900"/>
             </a:lvl6pPr>
             <a:lvl7pPr marL="2743200" indent="0">
               <a:buNone/>
-              <a:defRPr sz="1000"/>
+              <a:defRPr sz="900"/>
             </a:lvl7pPr>
             <a:lvl8pPr marL="3200400" indent="0">
               <a:buNone/>
-              <a:defRPr sz="1000"/>
+              <a:defRPr sz="900"/>
             </a:lvl8pPr>
             <a:lvl9pPr marL="3657600" indent="0">
               <a:buNone/>
-              <a:defRPr sz="1000"/>
+              <a:defRPr sz="900"/>
             </a:lvl9pPr>
           </a:lstStyle>
           <a:p>
@@ -3347,7 +2703,7 @@
           <a:p>
             <a:fld id="{35E72C73-2D91-4E12-BA25-F0AA0C03599B}" type="datetimeFigureOut">
               <a:rPr lang="en-US" smtClean="0"/>
-              <a:t>1/23/2020</a:t>
+              <a:t>8/9/2020</a:t>
             </a:fld>
             <a:endParaRPr lang="en-US" dirty="0"/>
           </a:p>
@@ -3399,7 +2755,7 @@
     </p:spTree>
     <p:extLst>
       <p:ext uri="{BB962C8B-B14F-4D97-AF65-F5344CB8AC3E}">
-        <p14:creationId xmlns:p14="http://schemas.microsoft.com/office/powerpoint/2010/main" val="2604294563"/>
+        <p14:creationId xmlns:p14="http://schemas.microsoft.com/office/powerpoint/2010/main" val="1833003728"/>
       </p:ext>
     </p:extLst>
   </p:cSld>
@@ -3415,7 +2771,7 @@
     <p:bg>
       <p:bgPr>
         <a:solidFill>
-          <a:schemeClr val="bg2"/>
+          <a:schemeClr val="accent1"/>
         </a:solidFill>
         <a:effectLst/>
       </p:bgPr>
@@ -3436,485 +2792,278 @@
       </p:grpSpPr>
       <p:sp>
         <p:nvSpPr>
-          <p:cNvPr id="20" name="Freeform 6" title="Page Number Shape"/>
-          <p:cNvSpPr/>
+          <p:cNvPr id="7" name="Rectangle 6"/>
+          <p:cNvSpPr>
+            <a:spLocks noChangeAspect="1"/>
+          </p:cNvSpPr>
           <p:nvPr/>
-        </p:nvSpPr>
-        <p:spPr bwMode="auto">
-          <a:xfrm>
-            <a:off x="11784011" y="5380580"/>
-            <a:ext cx="407988" cy="819150"/>
-          </a:xfrm>
-          <a:custGeom>
-            <a:avLst/>
-            <a:gdLst/>
-            <a:ahLst/>
-            <a:cxnLst/>
-            <a:rect l="0" t="0" r="r" b="b"/>
-            <a:pathLst>
-              <a:path w="1799" h="3612">
-                <a:moveTo>
-                  <a:pt x="1799" y="0"/>
-                </a:moveTo>
-                <a:lnTo>
-                  <a:pt x="1799" y="3612"/>
-                </a:lnTo>
-                <a:lnTo>
-                  <a:pt x="1686" y="3609"/>
-                </a:lnTo>
-                <a:lnTo>
-                  <a:pt x="1574" y="3598"/>
-                </a:lnTo>
-                <a:lnTo>
-                  <a:pt x="1464" y="3581"/>
-                </a:lnTo>
-                <a:lnTo>
-                  <a:pt x="1357" y="3557"/>
-                </a:lnTo>
-                <a:lnTo>
-                  <a:pt x="1251" y="3527"/>
-                </a:lnTo>
-                <a:lnTo>
-                  <a:pt x="1150" y="3490"/>
-                </a:lnTo>
-                <a:lnTo>
-                  <a:pt x="1050" y="3448"/>
-                </a:lnTo>
-                <a:lnTo>
-                  <a:pt x="953" y="3401"/>
-                </a:lnTo>
-                <a:lnTo>
-                  <a:pt x="860" y="3347"/>
-                </a:lnTo>
-                <a:lnTo>
-                  <a:pt x="771" y="3289"/>
-                </a:lnTo>
-                <a:lnTo>
-                  <a:pt x="686" y="3224"/>
-                </a:lnTo>
-                <a:lnTo>
-                  <a:pt x="604" y="3156"/>
-                </a:lnTo>
-                <a:lnTo>
-                  <a:pt x="527" y="3083"/>
-                </a:lnTo>
-                <a:lnTo>
-                  <a:pt x="454" y="3005"/>
-                </a:lnTo>
-                <a:lnTo>
-                  <a:pt x="386" y="2923"/>
-                </a:lnTo>
-                <a:lnTo>
-                  <a:pt x="323" y="2838"/>
-                </a:lnTo>
-                <a:lnTo>
-                  <a:pt x="265" y="2748"/>
-                </a:lnTo>
-                <a:lnTo>
-                  <a:pt x="211" y="2655"/>
-                </a:lnTo>
-                <a:lnTo>
-                  <a:pt x="163" y="2559"/>
-                </a:lnTo>
-                <a:lnTo>
-                  <a:pt x="121" y="2459"/>
-                </a:lnTo>
-                <a:lnTo>
-                  <a:pt x="85" y="2356"/>
-                </a:lnTo>
-                <a:lnTo>
-                  <a:pt x="55" y="2251"/>
-                </a:lnTo>
-                <a:lnTo>
-                  <a:pt x="32" y="2143"/>
-                </a:lnTo>
-                <a:lnTo>
-                  <a:pt x="14" y="2033"/>
-                </a:lnTo>
-                <a:lnTo>
-                  <a:pt x="4" y="1920"/>
-                </a:lnTo>
-                <a:lnTo>
-                  <a:pt x="0" y="1806"/>
-                </a:lnTo>
-                <a:lnTo>
-                  <a:pt x="4" y="1692"/>
-                </a:lnTo>
-                <a:lnTo>
-                  <a:pt x="14" y="1580"/>
-                </a:lnTo>
-                <a:lnTo>
-                  <a:pt x="32" y="1469"/>
-                </a:lnTo>
-                <a:lnTo>
-                  <a:pt x="55" y="1362"/>
-                </a:lnTo>
-                <a:lnTo>
-                  <a:pt x="85" y="1256"/>
-                </a:lnTo>
-                <a:lnTo>
-                  <a:pt x="121" y="1154"/>
-                </a:lnTo>
-                <a:lnTo>
-                  <a:pt x="163" y="1054"/>
-                </a:lnTo>
-                <a:lnTo>
-                  <a:pt x="211" y="958"/>
-                </a:lnTo>
-                <a:lnTo>
-                  <a:pt x="265" y="864"/>
-                </a:lnTo>
-                <a:lnTo>
-                  <a:pt x="323" y="774"/>
-                </a:lnTo>
-                <a:lnTo>
-                  <a:pt x="386" y="689"/>
-                </a:lnTo>
-                <a:lnTo>
-                  <a:pt x="454" y="607"/>
-                </a:lnTo>
-                <a:lnTo>
-                  <a:pt x="527" y="529"/>
-                </a:lnTo>
-                <a:lnTo>
-                  <a:pt x="604" y="456"/>
-                </a:lnTo>
-                <a:lnTo>
-                  <a:pt x="686" y="388"/>
-                </a:lnTo>
-                <a:lnTo>
-                  <a:pt x="771" y="325"/>
-                </a:lnTo>
-                <a:lnTo>
-                  <a:pt x="860" y="266"/>
-                </a:lnTo>
-                <a:lnTo>
-                  <a:pt x="953" y="212"/>
-                </a:lnTo>
-                <a:lnTo>
-                  <a:pt x="1050" y="164"/>
-                </a:lnTo>
-                <a:lnTo>
-                  <a:pt x="1150" y="122"/>
-                </a:lnTo>
-                <a:lnTo>
-                  <a:pt x="1251" y="85"/>
-                </a:lnTo>
-                <a:lnTo>
-                  <a:pt x="1357" y="55"/>
-                </a:lnTo>
-                <a:lnTo>
-                  <a:pt x="1464" y="32"/>
-                </a:lnTo>
-                <a:lnTo>
-                  <a:pt x="1574" y="14"/>
-                </a:lnTo>
-                <a:lnTo>
-                  <a:pt x="1686" y="5"/>
-                </a:lnTo>
-                <a:lnTo>
-                  <a:pt x="1799" y="0"/>
-                </a:lnTo>
-                <a:close/>
-              </a:path>
-            </a:pathLst>
-          </a:custGeom>
-          <a:solidFill>
-            <a:schemeClr val="tx1">
-              <a:lumMod val="85000"/>
-              <a:lumOff val="15000"/>
-            </a:schemeClr>
-          </a:solidFill>
-          <a:ln w="0">
-            <a:noFill/>
-            <a:prstDash val="solid"/>
-            <a:round/>
-            <a:headEnd/>
-            <a:tailEnd/>
-          </a:ln>
-        </p:spPr>
-      </p:sp>
-      <p:sp>
-        <p:nvSpPr>
-          <p:cNvPr id="2" name="Title Placeholder 1"/>
-          <p:cNvSpPr>
-            <a:spLocks noGrp="1"/>
-          </p:cNvSpPr>
-          <p:nvPr>
-            <p:ph type="title"/>
-          </p:nvPr>
         </p:nvSpPr>
         <p:spPr>
           <a:xfrm>
-            <a:off x="762000" y="559678"/>
-            <a:ext cx="3833906" cy="4952492"/>
+            <a:off x="231140" y="243840"/>
+            <a:ext cx="11724640" cy="6377939"/>
           </a:xfrm>
           <a:prstGeom prst="rect">
             <a:avLst/>
           </a:prstGeom>
-        </p:spPr>
-        <p:txBody>
-          <a:bodyPr vert="horz" lIns="91440" tIns="45720" rIns="91440" bIns="45720" rtlCol="0" anchor="t">
-            <a:normAutofit/>
-          </a:bodyPr>
-          <a:lstStyle/>
-          <a:p>
-            <a:r>
-              <a:rPr lang="en-US" smtClean="0"/>
-              <a:t>Click to edit Master title style</a:t>
-            </a:r>
-            <a:endParaRPr lang="en-US" dirty="0"/>
-          </a:p>
-        </p:txBody>
-      </p:sp>
-      <p:sp>
-        <p:nvSpPr>
-          <p:cNvPr id="3" name="Text Placeholder 2"/>
-          <p:cNvSpPr>
-            <a:spLocks noGrp="1"/>
-          </p:cNvSpPr>
-          <p:nvPr>
-            <p:ph type="body" idx="1"/>
-          </p:nvPr>
-        </p:nvSpPr>
-        <p:spPr>
-          <a:xfrm>
-            <a:off x="5181600" y="569066"/>
-            <a:ext cx="6248398" cy="5655156"/>
-          </a:xfrm>
-          <a:prstGeom prst="rect">
-            <a:avLst/>
-          </a:prstGeom>
-        </p:spPr>
-        <p:txBody>
-          <a:bodyPr vert="horz" lIns="91440" tIns="45720" rIns="91440" bIns="45720" rtlCol="0">
-            <a:normAutofit/>
-          </a:bodyPr>
-          <a:lstStyle/>
-          <a:p>
-            <a:pPr lvl="0"/>
-            <a:r>
-              <a:rPr lang="en-US" smtClean="0"/>
-              <a:t>Edit Master text styles</a:t>
-            </a:r>
-          </a:p>
-          <a:p>
-            <a:pPr lvl="1"/>
-            <a:r>
-              <a:rPr lang="en-US" smtClean="0"/>
-              <a:t>Second level</a:t>
-            </a:r>
-          </a:p>
-          <a:p>
-            <a:pPr lvl="2"/>
-            <a:r>
-              <a:rPr lang="en-US" smtClean="0"/>
-              <a:t>Third level</a:t>
-            </a:r>
-          </a:p>
-          <a:p>
-            <a:pPr lvl="3"/>
-            <a:r>
-              <a:rPr lang="en-US" smtClean="0"/>
-              <a:t>Fourth level</a:t>
-            </a:r>
-          </a:p>
-          <a:p>
-            <a:pPr lvl="4"/>
-            <a:r>
-              <a:rPr lang="en-US" smtClean="0"/>
-              <a:t>Fifth level</a:t>
-            </a:r>
-            <a:endParaRPr lang="en-US" dirty="0"/>
-          </a:p>
-        </p:txBody>
-      </p:sp>
-      <p:sp>
-        <p:nvSpPr>
-          <p:cNvPr id="4" name="Date Placeholder 3"/>
-          <p:cNvSpPr>
-            <a:spLocks noGrp="1"/>
-          </p:cNvSpPr>
-          <p:nvPr>
-            <p:ph type="dt" sz="half" idx="2"/>
-          </p:nvPr>
-        </p:nvSpPr>
-        <p:spPr>
-          <a:xfrm>
-            <a:off x="762001" y="5930060"/>
-            <a:ext cx="3814856" cy="365125"/>
-          </a:xfrm>
-          <a:prstGeom prst="rect">
-            <a:avLst/>
-          </a:prstGeom>
-        </p:spPr>
-        <p:txBody>
-          <a:bodyPr vert="horz" lIns="91440" tIns="45720" rIns="91440" bIns="45720" rtlCol="0" anchor="t"/>
-          <a:lstStyle>
-            <a:lvl1pPr algn="r">
-              <a:defRPr sz="1000" b="0" i="1" baseline="0">
-                <a:solidFill>
-                  <a:schemeClr val="tx1">
-                    <a:lumMod val="85000"/>
-                    <a:lumOff val="15000"/>
-                  </a:schemeClr>
-                </a:solidFill>
-                <a:latin typeface="+mj-lt"/>
-              </a:defRPr>
-            </a:lvl1pPr>
-          </a:lstStyle>
-          <a:p>
-            <a:fld id="{2BE451C3-0FF4-47C4-B829-773ADF60F88C}" type="datetimeFigureOut">
-              <a:rPr lang="en-US" smtClean="0"/>
-              <a:t>1/23/2020</a:t>
-            </a:fld>
-            <a:endParaRPr lang="en-US" dirty="0"/>
-          </a:p>
-        </p:txBody>
-      </p:sp>
-      <p:sp>
-        <p:nvSpPr>
-          <p:cNvPr id="5" name="Footer Placeholder 4"/>
-          <p:cNvSpPr>
-            <a:spLocks noGrp="1"/>
-          </p:cNvSpPr>
-          <p:nvPr>
-            <p:ph type="ftr" sz="quarter" idx="3"/>
-          </p:nvPr>
-        </p:nvSpPr>
-        <p:spPr>
-          <a:xfrm>
-            <a:off x="762001" y="6314440"/>
-            <a:ext cx="3814856" cy="365125"/>
-          </a:xfrm>
-          <a:prstGeom prst="rect">
-            <a:avLst/>
-          </a:prstGeom>
-        </p:spPr>
-        <p:txBody>
-          <a:bodyPr vert="horz" lIns="91440" tIns="45720" rIns="91440" bIns="45720" rtlCol="0" anchor="t"/>
-          <a:lstStyle>
-            <a:lvl1pPr algn="r">
-              <a:defRPr sz="1200" b="1" i="1" baseline="0">
-                <a:solidFill>
-                  <a:schemeClr val="tx1">
-                    <a:lumMod val="85000"/>
-                    <a:lumOff val="15000"/>
-                  </a:schemeClr>
-                </a:solidFill>
-                <a:latin typeface="+mj-lt"/>
-              </a:defRPr>
-            </a:lvl1pPr>
-          </a:lstStyle>
-          <a:p>
-            <a:endParaRPr lang="en-US" dirty="0"/>
-          </a:p>
-        </p:txBody>
-      </p:sp>
-      <p:sp>
-        <p:nvSpPr>
-          <p:cNvPr id="6" name="Slide Number Placeholder 5"/>
-          <p:cNvSpPr>
-            <a:spLocks noGrp="1"/>
-          </p:cNvSpPr>
-          <p:nvPr>
-            <p:ph type="sldNum" sz="quarter" idx="4"/>
-          </p:nvPr>
-        </p:nvSpPr>
-        <p:spPr>
-          <a:xfrm>
-            <a:off x="11784011" y="5607592"/>
-            <a:ext cx="407988" cy="365125"/>
-          </a:xfrm>
-          <a:prstGeom prst="rect">
-            <a:avLst/>
-          </a:prstGeom>
-        </p:spPr>
-        <p:txBody>
-          <a:bodyPr vert="horz" lIns="91440" tIns="45720" rIns="91440" bIns="45720" rtlCol="0" anchor="ctr"/>
-          <a:lstStyle>
-            <a:lvl1pPr algn="r">
-              <a:defRPr sz="1200" b="0" i="1" baseline="0">
-                <a:solidFill>
-                  <a:schemeClr val="bg2"/>
-                </a:solidFill>
-                <a:latin typeface="+mj-lt"/>
-              </a:defRPr>
-            </a:lvl1pPr>
-          </a:lstStyle>
-          <a:p>
-            <a:fld id="{D57F1E4F-1CFF-5643-939E-217C01CDF565}" type="slidenum">
-              <a:rPr lang="en-US" smtClean="0"/>
-              <a:pPr/>
-              <a:t>‹#›</a:t>
-            </a:fld>
-            <a:endParaRPr lang="en-US" dirty="0"/>
-          </a:p>
-        </p:txBody>
-      </p:sp>
-      <p:cxnSp>
-        <p:nvCxnSpPr>
-          <p:cNvPr id="10" name="Straight Connector 9" title="Horizontal Rule Line"/>
-          <p:cNvCxnSpPr/>
-          <p:nvPr/>
-        </p:nvCxnSpPr>
-        <p:spPr>
-          <a:xfrm>
-            <a:off x="0" y="6199730"/>
-            <a:ext cx="4495800" cy="0"/>
-          </a:xfrm>
-          <a:prstGeom prst="line">
-            <a:avLst/>
-          </a:prstGeom>
-          <a:ln w="25400">
-            <a:solidFill>
-              <a:schemeClr val="tx1">
-                <a:lumMod val="85000"/>
-                <a:lumOff val="15000"/>
-              </a:schemeClr>
-            </a:solidFill>
+          <a:solidFill>
+            <a:schemeClr val="bg1"/>
+          </a:solidFill>
+          <a:ln w="12700">
+            <a:noFill/>
           </a:ln>
         </p:spPr>
         <p:style>
-          <a:lnRef idx="1">
-            <a:schemeClr val="accent1"/>
+          <a:lnRef idx="2">
+            <a:schemeClr val="accent1">
+              <a:shade val="50000"/>
+            </a:schemeClr>
           </a:lnRef>
-          <a:fillRef idx="0">
+          <a:fillRef idx="1">
             <a:schemeClr val="accent1"/>
           </a:fillRef>
           <a:effectRef idx="0">
             <a:schemeClr val="accent1"/>
           </a:effectRef>
           <a:fontRef idx="minor">
-            <a:schemeClr val="tx1"/>
+            <a:schemeClr val="lt1"/>
           </a:fontRef>
         </p:style>
-      </p:cxnSp>
+      </p:sp>
+      <p:sp>
+        <p:nvSpPr>
+          <p:cNvPr id="2" name="Title Placeholder 1"/>
+          <p:cNvSpPr>
+            <a:spLocks noGrp="1"/>
+          </p:cNvSpPr>
+          <p:nvPr>
+            <p:ph type="title"/>
+          </p:nvPr>
+        </p:nvSpPr>
+        <p:spPr>
+          <a:xfrm>
+            <a:off x="1143000" y="609600"/>
+            <a:ext cx="9875520" cy="1356360"/>
+          </a:xfrm>
+          <a:prstGeom prst="rect">
+            <a:avLst/>
+          </a:prstGeom>
+        </p:spPr>
+        <p:txBody>
+          <a:bodyPr vert="horz" lIns="91440" tIns="45720" rIns="91440" bIns="45720" rtlCol="0" anchor="ctr">
+            <a:normAutofit/>
+          </a:bodyPr>
+          <a:lstStyle/>
+          <a:p>
+            <a:r>
+              <a:rPr lang="en-US" smtClean="0"/>
+              <a:t>Click to edit Master title style</a:t>
+            </a:r>
+            <a:endParaRPr lang="en-US" dirty="0"/>
+          </a:p>
+        </p:txBody>
+      </p:sp>
+      <p:sp>
+        <p:nvSpPr>
+          <p:cNvPr id="3" name="Text Placeholder 2"/>
+          <p:cNvSpPr>
+            <a:spLocks noGrp="1"/>
+          </p:cNvSpPr>
+          <p:nvPr>
+            <p:ph type="body" idx="1"/>
+          </p:nvPr>
+        </p:nvSpPr>
+        <p:spPr>
+          <a:xfrm>
+            <a:off x="1143000" y="2057400"/>
+            <a:ext cx="9872871" cy="4038600"/>
+          </a:xfrm>
+          <a:prstGeom prst="rect">
+            <a:avLst/>
+          </a:prstGeom>
+        </p:spPr>
+        <p:txBody>
+          <a:bodyPr vert="horz" lIns="91440" tIns="45720" rIns="91440" bIns="45720" rtlCol="0">
+            <a:normAutofit/>
+          </a:bodyPr>
+          <a:lstStyle/>
+          <a:p>
+            <a:pPr lvl="0"/>
+            <a:r>
+              <a:rPr lang="en-US" smtClean="0"/>
+              <a:t>Edit Master text styles</a:t>
+            </a:r>
+          </a:p>
+          <a:p>
+            <a:pPr lvl="1"/>
+            <a:r>
+              <a:rPr lang="en-US" smtClean="0"/>
+              <a:t>Second level</a:t>
+            </a:r>
+          </a:p>
+          <a:p>
+            <a:pPr lvl="2"/>
+            <a:r>
+              <a:rPr lang="en-US" smtClean="0"/>
+              <a:t>Third level</a:t>
+            </a:r>
+          </a:p>
+          <a:p>
+            <a:pPr lvl="3"/>
+            <a:r>
+              <a:rPr lang="en-US" smtClean="0"/>
+              <a:t>Fourth level</a:t>
+            </a:r>
+          </a:p>
+          <a:p>
+            <a:pPr lvl="4"/>
+            <a:r>
+              <a:rPr lang="en-US" smtClean="0"/>
+              <a:t>Fifth level</a:t>
+            </a:r>
+            <a:endParaRPr lang="en-US" dirty="0"/>
+          </a:p>
+        </p:txBody>
+      </p:sp>
+      <p:sp>
+        <p:nvSpPr>
+          <p:cNvPr id="4" name="Date Placeholder 3"/>
+          <p:cNvSpPr>
+            <a:spLocks noGrp="1"/>
+          </p:cNvSpPr>
+          <p:nvPr>
+            <p:ph type="dt" sz="half" idx="2"/>
+          </p:nvPr>
+        </p:nvSpPr>
+        <p:spPr>
+          <a:xfrm>
+            <a:off x="1142996" y="6223828"/>
+            <a:ext cx="2329074" cy="365125"/>
+          </a:xfrm>
+          <a:prstGeom prst="rect">
+            <a:avLst/>
+          </a:prstGeom>
+        </p:spPr>
+        <p:txBody>
+          <a:bodyPr vert="horz" lIns="91440" tIns="45720" rIns="91440" bIns="45720" rtlCol="0" anchor="ctr"/>
+          <a:lstStyle>
+            <a:lvl1pPr algn="l">
+              <a:defRPr sz="1200">
+                <a:solidFill>
+                  <a:schemeClr val="accent1"/>
+                </a:solidFill>
+              </a:defRPr>
+            </a:lvl1pPr>
+          </a:lstStyle>
+          <a:p>
+            <a:fld id="{2BE451C3-0FF4-47C4-B829-773ADF60F88C}" type="datetimeFigureOut">
+              <a:rPr lang="en-US" smtClean="0"/>
+              <a:t>8/9/2020</a:t>
+            </a:fld>
+            <a:endParaRPr lang="en-US" dirty="0"/>
+          </a:p>
+        </p:txBody>
+      </p:sp>
+      <p:sp>
+        <p:nvSpPr>
+          <p:cNvPr id="5" name="Footer Placeholder 4"/>
+          <p:cNvSpPr>
+            <a:spLocks noGrp="1"/>
+          </p:cNvSpPr>
+          <p:nvPr>
+            <p:ph type="ftr" sz="quarter" idx="3"/>
+          </p:nvPr>
+        </p:nvSpPr>
+        <p:spPr>
+          <a:xfrm>
+            <a:off x="3949148" y="6223828"/>
+            <a:ext cx="4717774" cy="365125"/>
+          </a:xfrm>
+          <a:prstGeom prst="rect">
+            <a:avLst/>
+          </a:prstGeom>
+        </p:spPr>
+        <p:txBody>
+          <a:bodyPr vert="horz" lIns="91440" tIns="45720" rIns="91440" bIns="45720" rtlCol="0" anchor="ctr"/>
+          <a:lstStyle>
+            <a:lvl1pPr algn="ctr">
+              <a:defRPr sz="1200">
+                <a:solidFill>
+                  <a:schemeClr val="accent1"/>
+                </a:solidFill>
+              </a:defRPr>
+            </a:lvl1pPr>
+          </a:lstStyle>
+          <a:p>
+            <a:endParaRPr lang="en-US" dirty="0"/>
+          </a:p>
+        </p:txBody>
+      </p:sp>
+      <p:sp>
+        <p:nvSpPr>
+          <p:cNvPr id="6" name="Slide Number Placeholder 5"/>
+          <p:cNvSpPr>
+            <a:spLocks noGrp="1"/>
+          </p:cNvSpPr>
+          <p:nvPr>
+            <p:ph type="sldNum" sz="quarter" idx="4"/>
+          </p:nvPr>
+        </p:nvSpPr>
+        <p:spPr>
+          <a:xfrm>
+            <a:off x="9329530" y="6223828"/>
+            <a:ext cx="1706217" cy="365125"/>
+          </a:xfrm>
+          <a:prstGeom prst="rect">
+            <a:avLst/>
+          </a:prstGeom>
+        </p:spPr>
+        <p:txBody>
+          <a:bodyPr vert="horz" lIns="91440" tIns="45720" rIns="91440" bIns="45720" rtlCol="0" anchor="ctr"/>
+          <a:lstStyle>
+            <a:lvl1pPr algn="r">
+              <a:defRPr sz="1200">
+                <a:solidFill>
+                  <a:schemeClr val="accent1"/>
+                </a:solidFill>
+              </a:defRPr>
+            </a:lvl1pPr>
+          </a:lstStyle>
+          <a:p>
+            <a:fld id="{D57F1E4F-1CFF-5643-939E-217C01CDF565}" type="slidenum">
+              <a:rPr lang="en-US" smtClean="0"/>
+              <a:pPr/>
+              <a:t>‹#›</a:t>
+            </a:fld>
+            <a:endParaRPr lang="en-US" dirty="0"/>
+          </a:p>
+        </p:txBody>
+      </p:sp>
     </p:spTree>
     <p:extLst>
       <p:ext uri="{BB962C8B-B14F-4D97-AF65-F5344CB8AC3E}">
-        <p14:creationId xmlns:p14="http://schemas.microsoft.com/office/powerpoint/2010/main" val="3578382926"/>
+        <p14:creationId xmlns:p14="http://schemas.microsoft.com/office/powerpoint/2010/main" val="1000079984"/>
       </p:ext>
     </p:extLst>
   </p:cSld>
   <p:clrMap bg1="lt1" tx1="dk1" bg2="lt2" tx2="dk2" accent1="accent1" accent2="accent2" accent3="accent3" accent4="accent4" accent5="accent5" accent6="accent6" hlink="hlink" folHlink="folHlink"/>
   <p:sldLayoutIdLst>
-    <p:sldLayoutId id="2147483675" r:id="rId1"/>
-    <p:sldLayoutId id="2147483676" r:id="rId2"/>
-    <p:sldLayoutId id="2147483677" r:id="rId3"/>
-    <p:sldLayoutId id="2147483678" r:id="rId4"/>
-    <p:sldLayoutId id="2147483679" r:id="rId5"/>
-    <p:sldLayoutId id="2147483680" r:id="rId6"/>
-    <p:sldLayoutId id="2147483681" r:id="rId7"/>
-    <p:sldLayoutId id="2147483682" r:id="rId8"/>
-    <p:sldLayoutId id="2147483683" r:id="rId9"/>
-    <p:sldLayoutId id="2147483684" r:id="rId10"/>
-    <p:sldLayoutId id="2147483685" r:id="rId11"/>
+    <p:sldLayoutId id="2147483705" r:id="rId1"/>
+    <p:sldLayoutId id="2147483706" r:id="rId2"/>
+    <p:sldLayoutId id="2147483707" r:id="rId3"/>
+    <p:sldLayoutId id="2147483708" r:id="rId4"/>
+    <p:sldLayoutId id="2147483709" r:id="rId5"/>
+    <p:sldLayoutId id="2147483710" r:id="rId6"/>
+    <p:sldLayoutId id="2147483711" r:id="rId7"/>
+    <p:sldLayoutId id="2147483712" r:id="rId8"/>
+    <p:sldLayoutId id="2147483713" r:id="rId9"/>
+    <p:sldLayoutId id="2147483714" r:id="rId10"/>
+    <p:sldLayoutId id="2147483715" r:id="rId11"/>
   </p:sldLayoutIdLst>
   <p:hf sldNum="0" hdr="0" ftr="0" dt="0"/>
   <p:txStyles>
     <p:titleStyle>
-      <a:lvl1pPr algn="r" defTabSz="914400" rtl="0" eaLnBrk="1" latinLnBrk="0" hangingPunct="1">
+      <a:lvl1pPr algn="l" defTabSz="914400" rtl="0" eaLnBrk="1" latinLnBrk="0" hangingPunct="1">
         <a:lnSpc>
           <a:spcPct val="90000"/>
         </a:lnSpc>
@@ -3922,12 +3071,9 @@
           <a:spcPct val="0"/>
         </a:spcBef>
         <a:buNone/>
-        <a:defRPr sz="5000" b="0" i="1" kern="1200" baseline="0">
+        <a:defRPr sz="4400" kern="1200">
           <a:solidFill>
-            <a:schemeClr val="tx1">
-              <a:lumMod val="85000"/>
-              <a:lumOff val="15000"/>
-            </a:schemeClr>
+            <a:schemeClr val="accent1"/>
           </a:solidFill>
           <a:latin typeface="+mj-lt"/>
           <a:ea typeface="+mj-ea"/>
@@ -3936,189 +3082,222 @@
       </a:lvl1pPr>
     </p:titleStyle>
     <p:bodyStyle>
-      <a:lvl1pPr marL="283464" indent="-283464" algn="l" defTabSz="914400" rtl="0" eaLnBrk="1" latinLnBrk="0" hangingPunct="1">
+      <a:lvl1pPr marL="228600" indent="-182880" algn="l" defTabSz="914400" rtl="0" eaLnBrk="1" latinLnBrk="0" hangingPunct="1">
         <a:lnSpc>
-          <a:spcPct val="112000"/>
+          <a:spcPct val="90000"/>
         </a:lnSpc>
         <a:spcBef>
-          <a:spcPts val="900"/>
+          <a:spcPts val="1400"/>
         </a:spcBef>
-        <a:buFont typeface="Arial" panose="020B0604020202020204" pitchFamily="34" charset="0"/>
+        <a:buClr>
+          <a:schemeClr val="accent1"/>
+        </a:buClr>
+        <a:buSzPct val="80000"/>
+        <a:buFont typeface="Corbel" pitchFamily="34" charset="0"/>
         <a:buChar char="•"/>
-        <a:defRPr sz="2000" kern="1200" baseline="0">
+        <a:defRPr sz="2200" kern="1200">
           <a:solidFill>
-            <a:schemeClr val="tx1">
-              <a:lumMod val="85000"/>
-              <a:lumOff val="15000"/>
-            </a:schemeClr>
+            <a:schemeClr val="accent1"/>
           </a:solidFill>
           <a:latin typeface="+mn-lt"/>
           <a:ea typeface="+mn-ea"/>
           <a:cs typeface="+mn-cs"/>
         </a:defRPr>
       </a:lvl1pPr>
-      <a:lvl2pPr marL="685800" indent="-283464" algn="l" defTabSz="914400" rtl="0" eaLnBrk="1" latinLnBrk="0" hangingPunct="1">
+      <a:lvl2pPr marL="457200" indent="-182880" algn="l" defTabSz="914400" rtl="0" eaLnBrk="1" latinLnBrk="0" hangingPunct="1">
         <a:lnSpc>
-          <a:spcPct val="112000"/>
+          <a:spcPct val="90000"/>
         </a:lnSpc>
         <a:spcBef>
-          <a:spcPts val="900"/>
+          <a:spcPts val="200"/>
         </a:spcBef>
-        <a:buFont typeface="Corbel" panose="020B0503020204020204" pitchFamily="34" charset="0"/>
-        <a:buChar char="–"/>
-        <a:defRPr sz="1800" kern="1200" baseline="0">
+        <a:spcAft>
+          <a:spcPts val="400"/>
+        </a:spcAft>
+        <a:buClr>
+          <a:schemeClr val="accent1"/>
+        </a:buClr>
+        <a:buSzPct val="80000"/>
+        <a:buFont typeface="Corbel" pitchFamily="34" charset="0"/>
+        <a:buChar char="•"/>
+        <a:defRPr sz="2000" kern="1200">
           <a:solidFill>
-            <a:schemeClr val="tx1">
-              <a:lumMod val="85000"/>
-              <a:lumOff val="15000"/>
-            </a:schemeClr>
+            <a:schemeClr val="accent1"/>
           </a:solidFill>
           <a:latin typeface="+mn-lt"/>
           <a:ea typeface="+mn-ea"/>
           <a:cs typeface="+mn-cs"/>
         </a:defRPr>
       </a:lvl2pPr>
-      <a:lvl3pPr marL="1143000" indent="-283464" algn="l" defTabSz="914400" rtl="0" eaLnBrk="1" latinLnBrk="0" hangingPunct="1">
+      <a:lvl3pPr marL="731520" indent="-182880" algn="l" defTabSz="914400" rtl="0" eaLnBrk="1" latinLnBrk="0" hangingPunct="1">
         <a:lnSpc>
-          <a:spcPct val="112000"/>
+          <a:spcPct val="90000"/>
         </a:lnSpc>
         <a:spcBef>
-          <a:spcPts val="900"/>
+          <a:spcPts val="200"/>
         </a:spcBef>
-        <a:buFont typeface="Arial" panose="020B0604020202020204" pitchFamily="34" charset="0"/>
+        <a:spcAft>
+          <a:spcPts val="400"/>
+        </a:spcAft>
+        <a:buClr>
+          <a:schemeClr val="accent1"/>
+        </a:buClr>
+        <a:buSzPct val="80000"/>
+        <a:buFont typeface="Corbel" pitchFamily="34" charset="0"/>
         <a:buChar char="•"/>
-        <a:defRPr sz="1600" kern="1200" baseline="0">
+        <a:defRPr sz="1800" kern="1200">
           <a:solidFill>
-            <a:schemeClr val="tx1">
-              <a:lumMod val="85000"/>
-              <a:lumOff val="15000"/>
-            </a:schemeClr>
+            <a:schemeClr val="accent1"/>
           </a:solidFill>
           <a:latin typeface="+mn-lt"/>
           <a:ea typeface="+mn-ea"/>
           <a:cs typeface="+mn-cs"/>
         </a:defRPr>
       </a:lvl3pPr>
-      <a:lvl4pPr marL="1600200" indent="-283464" algn="l" defTabSz="914400" rtl="0" eaLnBrk="1" latinLnBrk="0" hangingPunct="1">
+      <a:lvl4pPr marL="1005840" indent="-182880" algn="l" defTabSz="914400" rtl="0" eaLnBrk="1" latinLnBrk="0" hangingPunct="1">
         <a:lnSpc>
-          <a:spcPct val="112000"/>
+          <a:spcPct val="90000"/>
         </a:lnSpc>
         <a:spcBef>
-          <a:spcPts val="900"/>
+          <a:spcPts val="200"/>
         </a:spcBef>
-        <a:buFont typeface="Corbel" panose="020B0503020204020204" pitchFamily="34" charset="0"/>
-        <a:buChar char="–"/>
-        <a:defRPr sz="1400" kern="1200" baseline="0">
+        <a:spcAft>
+          <a:spcPts val="400"/>
+        </a:spcAft>
+        <a:buClr>
+          <a:schemeClr val="accent1"/>
+        </a:buClr>
+        <a:buSzPct val="80000"/>
+        <a:buFont typeface="Corbel" pitchFamily="34" charset="0"/>
+        <a:buChar char="•"/>
+        <a:defRPr sz="1600" kern="1200">
           <a:solidFill>
-            <a:schemeClr val="tx1">
-              <a:lumMod val="85000"/>
-              <a:lumOff val="15000"/>
-            </a:schemeClr>
+            <a:schemeClr val="accent1"/>
           </a:solidFill>
           <a:latin typeface="+mn-lt"/>
           <a:ea typeface="+mn-ea"/>
           <a:cs typeface="+mn-cs"/>
         </a:defRPr>
       </a:lvl4pPr>
-      <a:lvl5pPr marL="2057400" indent="-283464" algn="l" defTabSz="914400" rtl="0" eaLnBrk="1" latinLnBrk="0" hangingPunct="1">
+      <a:lvl5pPr marL="1280160" indent="-182880" algn="l" defTabSz="914400" rtl="0" eaLnBrk="1" latinLnBrk="0" hangingPunct="1">
         <a:lnSpc>
-          <a:spcPct val="112000"/>
+          <a:spcPct val="90000"/>
         </a:lnSpc>
         <a:spcBef>
-          <a:spcPts val="900"/>
+          <a:spcPts val="200"/>
         </a:spcBef>
-        <a:buFont typeface="Arial" panose="020B0604020202020204" pitchFamily="34" charset="0"/>
+        <a:spcAft>
+          <a:spcPts val="400"/>
+        </a:spcAft>
+        <a:buClr>
+          <a:schemeClr val="accent1"/>
+        </a:buClr>
+        <a:buSzPct val="80000"/>
+        <a:buFont typeface="Corbel" pitchFamily="34" charset="0"/>
         <a:buChar char="•"/>
-        <a:defRPr sz="1400" i="1" kern="1200" baseline="0">
+        <a:defRPr sz="1600" kern="1200">
           <a:solidFill>
-            <a:schemeClr val="tx1">
-              <a:lumMod val="85000"/>
-              <a:lumOff val="15000"/>
-            </a:schemeClr>
+            <a:schemeClr val="accent1"/>
           </a:solidFill>
           <a:latin typeface="+mn-lt"/>
           <a:ea typeface="+mn-ea"/>
           <a:cs typeface="+mn-cs"/>
         </a:defRPr>
       </a:lvl5pPr>
-      <a:lvl6pPr marL="2514600" indent="-283464" algn="l" defTabSz="914400" rtl="0" eaLnBrk="1" latinLnBrk="0" hangingPunct="1">
+      <a:lvl6pPr marL="1600000" indent="-228600" algn="l" defTabSz="914400" rtl="0" eaLnBrk="1" latinLnBrk="0" hangingPunct="1">
         <a:lnSpc>
-          <a:spcPct val="112000"/>
+          <a:spcPct val="90000"/>
         </a:lnSpc>
         <a:spcBef>
-          <a:spcPts val="1300"/>
+          <a:spcPts val="200"/>
         </a:spcBef>
-        <a:buFont typeface="Corbel" panose="020B0503020204020204" pitchFamily="34" charset="0"/>
-        <a:buChar char="–"/>
-        <a:defRPr sz="1400" kern="1200">
+        <a:spcAft>
+          <a:spcPts val="400"/>
+        </a:spcAft>
+        <a:buClr>
+          <a:schemeClr val="accent1"/>
+        </a:buClr>
+        <a:buSzPct val="80000"/>
+        <a:buFont typeface="Corbel" pitchFamily="34" charset="0"/>
+        <a:buChar char="•"/>
+        <a:defRPr sz="1600" kern="1200">
           <a:solidFill>
-            <a:schemeClr val="tx1">
-              <a:lumMod val="85000"/>
-              <a:lumOff val="15000"/>
-            </a:schemeClr>
+            <a:schemeClr val="accent1"/>
           </a:solidFill>
           <a:latin typeface="+mn-lt"/>
           <a:ea typeface="+mn-ea"/>
           <a:cs typeface="+mn-cs"/>
         </a:defRPr>
       </a:lvl6pPr>
-      <a:lvl7pPr marL="2971800" indent="-283464" algn="l" defTabSz="914400" rtl="0" eaLnBrk="1" latinLnBrk="0" hangingPunct="1">
+      <a:lvl7pPr marL="1900000" indent="-228600" algn="l" defTabSz="914400" rtl="0" eaLnBrk="1" latinLnBrk="0" hangingPunct="1">
         <a:lnSpc>
-          <a:spcPct val="112000"/>
+          <a:spcPct val="90000"/>
         </a:lnSpc>
         <a:spcBef>
-          <a:spcPts val="1300"/>
+          <a:spcPts val="200"/>
         </a:spcBef>
-        <a:buFont typeface="Arial" panose="020B0604020202020204" pitchFamily="34" charset="0"/>
+        <a:spcAft>
+          <a:spcPts val="400"/>
+        </a:spcAft>
+        <a:buClr>
+          <a:schemeClr val="accent1"/>
+        </a:buClr>
+        <a:buSzPct val="80000"/>
+        <a:buFont typeface="Corbel" pitchFamily="34" charset="0"/>
         <a:buChar char="•"/>
-        <a:defRPr sz="1400" i="1" kern="1200">
+        <a:defRPr sz="1600" kern="1200">
           <a:solidFill>
-            <a:schemeClr val="tx1">
-              <a:lumMod val="85000"/>
-              <a:lumOff val="15000"/>
-            </a:schemeClr>
+            <a:schemeClr val="accent1"/>
           </a:solidFill>
           <a:latin typeface="+mn-lt"/>
           <a:ea typeface="+mn-ea"/>
           <a:cs typeface="+mn-cs"/>
         </a:defRPr>
       </a:lvl7pPr>
-      <a:lvl8pPr marL="3429000" indent="-283464" algn="l" defTabSz="914400" rtl="0" eaLnBrk="1" latinLnBrk="0" hangingPunct="1">
+      <a:lvl8pPr marL="2200000" indent="-228600" algn="l" defTabSz="914400" rtl="0" eaLnBrk="1" latinLnBrk="0" hangingPunct="1">
         <a:lnSpc>
-          <a:spcPct val="112000"/>
+          <a:spcPct val="90000"/>
         </a:lnSpc>
         <a:spcBef>
-          <a:spcPts val="1300"/>
+          <a:spcPts val="200"/>
         </a:spcBef>
-        <a:buFont typeface="Corbel" panose="020B0503020204020204" pitchFamily="34" charset="0"/>
-        <a:buChar char="–"/>
-        <a:defRPr sz="1400" kern="1200">
+        <a:spcAft>
+          <a:spcPts val="400"/>
+        </a:spcAft>
+        <a:buClr>
+          <a:schemeClr val="accent1"/>
+        </a:buClr>
+        <a:buSzPct val="80000"/>
+        <a:buFont typeface="Corbel" pitchFamily="34" charset="0"/>
+        <a:buChar char="•"/>
+        <a:defRPr sz="1600" kern="1200">
           <a:solidFill>
-            <a:schemeClr val="tx1">
-              <a:lumMod val="85000"/>
-              <a:lumOff val="15000"/>
-            </a:schemeClr>
+            <a:schemeClr val="accent1"/>
           </a:solidFill>
           <a:latin typeface="+mn-lt"/>
           <a:ea typeface="+mn-ea"/>
           <a:cs typeface="+mn-cs"/>
         </a:defRPr>
       </a:lvl8pPr>
-      <a:lvl9pPr marL="3886200" indent="-283464" algn="l" defTabSz="914400" rtl="0" eaLnBrk="1" latinLnBrk="0" hangingPunct="1">
+      <a:lvl9pPr marL="2500000" indent="-228600" algn="l" defTabSz="914400" rtl="0" eaLnBrk="1" latinLnBrk="0" hangingPunct="1">
         <a:lnSpc>
-          <a:spcPct val="112000"/>
+          <a:spcPct val="90000"/>
         </a:lnSpc>
         <a:spcBef>
-          <a:spcPts val="1300"/>
+          <a:spcPts val="200"/>
         </a:spcBef>
-        <a:buFont typeface="Arial" panose="020B0604020202020204" pitchFamily="34" charset="0"/>
+        <a:spcAft>
+          <a:spcPts val="400"/>
+        </a:spcAft>
+        <a:buClr>
+          <a:schemeClr val="accent1"/>
+        </a:buClr>
+        <a:buSzPct val="80000"/>
+        <a:buFont typeface="Corbel" pitchFamily="34" charset="0"/>
         <a:buChar char="•"/>
-        <a:defRPr sz="1400" i="1" kern="1200" baseline="0">
+        <a:defRPr sz="1600" kern="1200">
           <a:solidFill>
-            <a:schemeClr val="tx1">
-              <a:lumMod val="85000"/>
-              <a:lumOff val="15000"/>
-            </a:schemeClr>
+            <a:schemeClr val="accent1"/>
           </a:solidFill>
           <a:latin typeface="+mn-lt"/>
           <a:ea typeface="+mn-ea"/>
@@ -4222,35 +3401,9 @@
       </a:lvl9pPr>
     </p:otherStyle>
   </p:txStyles>
-  <p:extLst mod="1">
+  <p:extLst>
     <p:ext uri="{27BBF7A9-308A-43DC-89C8-2F10F3537804}">
-      <p15:sldGuideLst xmlns:p15="http://schemas.microsoft.com/office/powerpoint/2012/main">
-        <p15:guide id="1" pos="2832">
-          <p15:clr>
-            <a:srgbClr val="F26B43"/>
-          </p15:clr>
-        </p15:guide>
-        <p15:guide id="2" pos="480">
-          <p15:clr>
-            <a:srgbClr val="F26B43"/>
-          </p15:clr>
-        </p15:guide>
-        <p15:guide id="3" orient="horz" pos="432">
-          <p15:clr>
-            <a:srgbClr val="F26B43"/>
-          </p15:clr>
-        </p15:guide>
-        <p15:guide id="4" pos="7200">
-          <p15:clr>
-            <a:srgbClr val="F26B43"/>
-          </p15:clr>
-        </p15:guide>
-        <p15:guide id="5" pos="3264">
-          <p15:clr>
-            <a:srgbClr val="F26B43"/>
-          </p15:clr>
-        </p15:guide>
-      </p15:sldGuideLst>
+      <p15:sldGuideLst xmlns:p15="http://schemas.microsoft.com/office/powerpoint/2012/main"/>
     </p:ext>
   </p:extLst>
 </p:sldMaster>
@@ -4412,8 +3565,8 @@
         </p:blipFill>
         <p:spPr>
           <a:xfrm>
-            <a:off x="4905568" y="2403803"/>
-            <a:ext cx="6832599" cy="3416300"/>
+            <a:off x="2040732" y="2057400"/>
+            <a:ext cx="8077199" cy="4038600"/>
           </a:xfrm>
         </p:spPr>
       </p:pic>
@@ -4493,8 +3646,8 @@
         </p:blipFill>
         <p:spPr>
           <a:xfrm>
-            <a:off x="4912309" y="851337"/>
-            <a:ext cx="7259146" cy="5444359"/>
+            <a:off x="3738467" y="2321052"/>
+            <a:ext cx="4681728" cy="3511296"/>
           </a:xfrm>
         </p:spPr>
       </p:pic>
@@ -4563,7 +3716,7 @@
         <p:spPr/>
         <p:txBody>
           <a:bodyPr>
-            <a:normAutofit fontScale="92500" lnSpcReduction="20000"/>
+            <a:normAutofit fontScale="47500" lnSpcReduction="20000"/>
           </a:bodyPr>
           <a:lstStyle/>
           <a:p>
@@ -5165,8 +4318,8 @@
         </p:blipFill>
         <p:spPr>
           <a:xfrm>
-            <a:off x="5267325" y="1115219"/>
-            <a:ext cx="6076950" cy="4562475"/>
+            <a:off x="3389742" y="2057400"/>
+            <a:ext cx="5379179" cy="4038600"/>
           </a:xfrm>
         </p:spPr>
       </p:pic>
@@ -5247,8 +4400,8 @@
         </p:blipFill>
         <p:spPr>
           <a:xfrm>
-            <a:off x="5181600" y="1756446"/>
-            <a:ext cx="6248400" cy="3280020"/>
+            <a:off x="2232589" y="2057400"/>
+            <a:ext cx="7693485" cy="4038600"/>
           </a:xfrm>
         </p:spPr>
       </p:pic>
@@ -5323,13 +4476,13 @@
         </p:nvSpPr>
         <p:spPr>
           <a:xfrm>
-            <a:off x="4971393" y="1872348"/>
+            <a:off x="5495095" y="1057701"/>
             <a:ext cx="6248398" cy="5655156"/>
           </a:xfrm>
         </p:spPr>
         <p:txBody>
           <a:bodyPr>
-            <a:normAutofit fontScale="85000" lnSpcReduction="20000"/>
+            <a:normAutofit fontScale="77500" lnSpcReduction="20000"/>
           </a:bodyPr>
           <a:lstStyle/>
           <a:p>
@@ -5805,8 +4958,8 @@
         </p:blipFill>
         <p:spPr>
           <a:xfrm>
-            <a:off x="5181600" y="1565715"/>
-            <a:ext cx="6248400" cy="3661482"/>
+            <a:off x="2633352" y="2057400"/>
+            <a:ext cx="6891958" cy="4038600"/>
           </a:xfrm>
         </p:spPr>
       </p:pic>
@@ -5885,7 +5038,7 @@
         </p:spPr>
         <p:txBody>
           <a:bodyPr>
-            <a:normAutofit lnSpcReduction="10000"/>
+            <a:normAutofit fontScale="92500" lnSpcReduction="10000"/>
           </a:bodyPr>
           <a:lstStyle/>
           <a:p>
@@ -6158,7 +5311,7 @@
         </p:nvSpPr>
         <p:spPr>
           <a:xfrm>
-            <a:off x="-278524" y="1905508"/>
+            <a:off x="577687" y="1423370"/>
             <a:ext cx="3833906" cy="4952492"/>
           </a:xfrm>
         </p:spPr>
@@ -6457,7 +5610,7 @@
         <p:spPr/>
         <p:txBody>
           <a:bodyPr>
-            <a:normAutofit/>
+            <a:normAutofit fontScale="92500" lnSpcReduction="20000"/>
           </a:bodyPr>
           <a:lstStyle/>
           <a:p>
@@ -6632,7 +5785,7 @@
         </p:blipFill>
         <p:spPr>
           <a:xfrm>
-            <a:off x="6150677" y="1945482"/>
+            <a:off x="3924208" y="2625726"/>
             <a:ext cx="4310246" cy="2901948"/>
           </a:xfrm>
           <a:prstGeom prst="rect">
@@ -6952,7 +6105,7 @@
         </p:nvSpPr>
         <p:spPr>
           <a:xfrm>
-            <a:off x="4624552" y="1451935"/>
+            <a:off x="4300356" y="2258270"/>
             <a:ext cx="6248398" cy="5655156"/>
           </a:xfrm>
         </p:spPr>
@@ -7128,7 +6281,7 @@
         </p:nvSpPr>
         <p:spPr>
           <a:xfrm>
-            <a:off x="4529959" y="1945921"/>
+            <a:off x="4538271" y="2436372"/>
             <a:ext cx="6248398" cy="5655156"/>
           </a:xfrm>
         </p:spPr>
@@ -7376,7 +6529,7 @@
         </p:nvSpPr>
         <p:spPr>
           <a:xfrm>
-            <a:off x="4403834" y="2082555"/>
+            <a:off x="4378895" y="2423376"/>
             <a:ext cx="6248398" cy="5655156"/>
           </a:xfrm>
         </p:spPr>
@@ -7656,8 +6809,8 @@
         </p:nvSpPr>
         <p:spPr>
           <a:xfrm>
-            <a:off x="835573" y="127253"/>
-            <a:ext cx="3833906" cy="4952492"/>
+            <a:off x="523702" y="0"/>
+            <a:ext cx="4769232" cy="3100647"/>
           </a:xfrm>
         </p:spPr>
         <p:txBody>
@@ -7759,52 +6912,52 @@
 </file>
 
 <file path=ppt/theme/theme1.xml><?xml version="1.0" encoding="utf-8"?>
-<a:theme xmlns:a="http://schemas.openxmlformats.org/drawingml/2006/main" name="Headlines">
+<a:theme xmlns:a="http://schemas.openxmlformats.org/drawingml/2006/main" name="Basis">
   <a:themeElements>
-    <a:clrScheme name="Headlines">
+    <a:clrScheme name="Basis">
       <a:dk1>
-        <a:sysClr val="windowText" lastClr="000000"/>
+        <a:srgbClr val="000000"/>
       </a:dk1>
       <a:lt1>
-        <a:sysClr val="window" lastClr="FFFFFF"/>
+        <a:srgbClr val="FFFFFF"/>
       </a:lt1>
       <a:dk2>
-        <a:srgbClr val="1D1A1D"/>
+        <a:srgbClr val="565349"/>
       </a:dk2>
       <a:lt2>
-        <a:srgbClr val="F5F5F5"/>
+        <a:srgbClr val="DDDDDD"/>
       </a:lt2>
       <a:accent1>
-        <a:srgbClr val="439EB7"/>
+        <a:srgbClr val="A6B727"/>
       </a:accent1>
       <a:accent2>
-        <a:srgbClr val="E28B55"/>
+        <a:srgbClr val="DF5327"/>
       </a:accent2>
       <a:accent3>
-        <a:srgbClr val="DCB64D"/>
+        <a:srgbClr val="FE9E00"/>
       </a:accent3>
       <a:accent4>
-        <a:srgbClr val="4CA198"/>
+        <a:srgbClr val="418AB3"/>
       </a:accent4>
       <a:accent5>
-        <a:srgbClr val="835B82"/>
+        <a:srgbClr val="D7D447"/>
       </a:accent5>
       <a:accent6>
-        <a:srgbClr val="645135"/>
+        <a:srgbClr val="818183"/>
       </a:accent6>
       <a:hlink>
-        <a:srgbClr val="439EB7"/>
+        <a:srgbClr val="F59E00"/>
       </a:hlink>
       <a:folHlink>
-        <a:srgbClr val="835B82"/>
+        <a:srgbClr val="B2B2B2"/>
       </a:folHlink>
     </a:clrScheme>
-    <a:fontScheme name="Headlines">
+    <a:fontScheme name="Basis">
       <a:majorFont>
-        <a:latin typeface="Century Schoolbook" panose="02040604050505020304"/>
+        <a:latin typeface="Corbel" panose="020B0503020204020204"/>
         <a:ea typeface=""/>
         <a:cs typeface=""/>
-        <a:font script="Jpan" typeface="メイリオ"/>
+        <a:font script="Jpan" typeface="ＭＳ ゴシック"/>
         <a:font script="Hang" typeface="맑은 고딕"/>
         <a:font script="Hans" typeface="宋体"/>
         <a:font script="Hant" typeface="新細明體"/>
@@ -7839,12 +6992,12 @@
         <a:latin typeface="Corbel" panose="020B0503020204020204"/>
         <a:ea typeface=""/>
         <a:cs typeface=""/>
-        <a:font script="Jpan" typeface="メイリオ"/>
-        <a:font script="Hang" typeface="HY엽서L"/>
-        <a:font script="Hans" typeface="华文楷体"/>
+        <a:font script="Jpan" typeface="ＭＳ ゴシック"/>
+        <a:font script="Hang" typeface="맑은 고딕"/>
+        <a:font script="Hans" typeface="宋体"/>
         <a:font script="Hant" typeface="新細明體"/>
         <a:font script="Arab" typeface="Tahoma"/>
-        <a:font script="Hebr" typeface="Miriam"/>
+        <a:font script="Hebr" typeface="Gisha"/>
         <a:font script="Thai" typeface="DilleniaUPC"/>
         <a:font script="Ethi" typeface="Nyala"/>
         <a:font script="Beng" typeface="Vrinda"/>
@@ -7866,43 +7019,37 @@
         <a:font script="Laoo" typeface="DokChampa"/>
         <a:font script="Sinh" typeface="Iskoola Pota"/>
         <a:font script="Mong" typeface="Mongolian Baiti"/>
-        <a:font script="Viet" typeface="Arial"/>
+        <a:font script="Viet" typeface="Verdana"/>
         <a:font script="Uigh" typeface="Microsoft Uighur"/>
         <a:font script="Geor" typeface="Sylfaen"/>
       </a:minorFont>
     </a:fontScheme>
-    <a:fmtScheme name="Headlines">
+    <a:fmtScheme name="Basis">
       <a:fillStyleLst>
         <a:solidFill>
           <a:schemeClr val="phClr"/>
         </a:solidFill>
         <a:solidFill>
           <a:schemeClr val="phClr">
-            <a:tint val="67000"/>
-            <a:satMod val="105000"/>
+            <a:tint val="55000"/>
+            <a:satMod val="130000"/>
           </a:schemeClr>
         </a:solidFill>
         <a:gradFill rotWithShape="1">
           <a:gsLst>
             <a:gs pos="0">
-              <a:schemeClr val="phClr">
-                <a:tint val="100000"/>
-                <a:satMod val="103000"/>
-                <a:lumMod val="102000"/>
-              </a:schemeClr>
+              <a:schemeClr val="phClr"/>
             </a:gs>
-            <a:gs pos="50000">
+            <a:gs pos="90000">
               <a:schemeClr val="phClr">
                 <a:shade val="100000"/>
-                <a:satMod val="110000"/>
-                <a:lumMod val="100000"/>
+                <a:satMod val="105000"/>
               </a:schemeClr>
             </a:gs>
             <a:gs pos="100000">
               <a:schemeClr val="phClr">
-                <a:shade val="70000"/>
+                <a:shade val="80000"/>
                 <a:satMod val="120000"/>
-                <a:lumMod val="99000"/>
               </a:schemeClr>
             </a:gs>
           </a:gsLst>
@@ -7912,23 +7059,21 @@
         </a:gradFill>
       </a:fillStyleLst>
       <a:lnStyleLst>
-        <a:ln w="6350" cap="flat" cmpd="sng" algn="in">
+        <a:ln w="10000" cap="flat" cmpd="sng" algn="ctr">
           <a:solidFill>
             <a:schemeClr val="phClr"/>
           </a:solidFill>
           <a:prstDash val="solid"/>
         </a:ln>
-        <a:ln w="12700" cap="flat" cmpd="sng" algn="in">
+        <a:ln w="19050" cap="flat" cmpd="sng" algn="ctr">
           <a:solidFill>
             <a:schemeClr val="phClr"/>
           </a:solidFill>
           <a:prstDash val="solid"/>
         </a:ln>
-        <a:ln w="19050" cap="flat" cmpd="sng" algn="in">
+        <a:ln w="53975" cap="flat" cmpd="dbl" algn="ctr">
           <a:solidFill>
-            <a:schemeClr val="phClr">
-              <a:satMod val="150000"/>
-            </a:schemeClr>
+            <a:schemeClr val="phClr"/>
           </a:solidFill>
           <a:prstDash val="solid"/>
         </a:ln>
@@ -7938,21 +7083,37 @@
           <a:effectLst/>
         </a:effectStyle>
         <a:effectStyle>
-          <a:effectLst/>
+          <a:effectLst>
+            <a:outerShdw blurRad="38100" dist="25400" dir="5400000" rotWithShape="0">
+              <a:srgbClr val="000000">
+                <a:alpha val="45000"/>
+              </a:srgbClr>
+            </a:outerShdw>
+          </a:effectLst>
         </a:effectStyle>
         <a:effectStyle>
           <a:effectLst>
-            <a:innerShdw blurRad="88900" dist="25400" dir="10800000">
+            <a:outerShdw blurRad="38100" dist="25400" dir="5400000" rotWithShape="0">
               <a:srgbClr val="000000">
-                <a:alpha val="25000"/>
-              </a:srgbClr>
-            </a:innerShdw>
-            <a:outerShdw blurRad="25400" dist="25400" dir="5400000" rotWithShape="0">
-              <a:srgbClr val="FFFFFF">
-                <a:alpha val="10000"/>
+                <a:alpha val="45000"/>
               </a:srgbClr>
             </a:outerShdw>
           </a:effectLst>
+          <a:scene3d>
+            <a:camera prst="orthographicFront">
+              <a:rot lat="0" lon="0" rev="0"/>
+            </a:camera>
+            <a:lightRig rig="brightRoom" dir="t"/>
+          </a:scene3d>
+          <a:sp3d extrusionH="12700" contourW="25400" prstMaterial="flat">
+            <a:bevelT w="63500" h="152400" prst="angle"/>
+            <a:contourClr>
+              <a:schemeClr val="phClr">
+                <a:shade val="27000"/>
+                <a:satMod val="120000"/>
+              </a:schemeClr>
+            </a:contourClr>
+          </a:sp3d>
         </a:effectStyle>
       </a:effectStyleLst>
       <a:bgFillStyleLst>
@@ -7962,36 +7123,18 @@
         <a:solidFill>
           <a:schemeClr val="phClr">
             <a:tint val="95000"/>
-            <a:satMod val="170000"/>
+            <a:shade val="95000"/>
+            <a:satMod val="140000"/>
           </a:schemeClr>
         </a:solidFill>
-        <a:gradFill rotWithShape="1">
-          <a:gsLst>
-            <a:gs pos="0">
-              <a:schemeClr val="phClr">
-                <a:tint val="93000"/>
-                <a:shade val="98000"/>
-                <a:satMod val="150000"/>
-                <a:lumMod val="102000"/>
-              </a:schemeClr>
-            </a:gs>
-            <a:gs pos="50000">
-              <a:schemeClr val="phClr">
-                <a:tint val="98000"/>
-                <a:shade val="90000"/>
-                <a:satMod val="130000"/>
-                <a:lumMod val="103000"/>
-              </a:schemeClr>
-            </a:gs>
-            <a:gs pos="100000">
-              <a:schemeClr val="phClr">
-                <a:shade val="63000"/>
-                <a:satMod val="120000"/>
-              </a:schemeClr>
-            </a:gs>
-          </a:gsLst>
-          <a:lin ang="5400000" scaled="0"/>
-        </a:gradFill>
+        <a:solidFill>
+          <a:schemeClr val="phClr">
+            <a:tint val="90000"/>
+            <a:shade val="85000"/>
+            <a:satMod val="160000"/>
+            <a:lumMod val="110000"/>
+          </a:schemeClr>
+        </a:solidFill>
       </a:bgFillStyleLst>
     </a:fmtScheme>
   </a:themeElements>
@@ -7999,7 +7142,7 @@
   <a:extraClrSchemeLst/>
   <a:extLst>
     <a:ext uri="{05A4C25C-085E-4340-85A3-A5531E510DB2}">
-      <thm15:themeFamily xmlns:thm15="http://schemas.microsoft.com/office/thememl/2012/main" name="Headlines" id="{3841520A-25F2-4EB8-BE4C-611DB5ABEED9}" vid="{ECD25A4C-D97E-4C12-84B1-63580BFFAEEB}"/>
+      <thm15:themeFamily xmlns:thm15="http://schemas.microsoft.com/office/thememl/2012/main" name="Basis" id="{5665723A-49BA-4B57-8411-A56F8F207965}" vid="{90E45F77-AEFC-46EF-A7C1-5B338C297B02}"/>
     </a:ext>
   </a:extLst>
 </a:theme>
